--- a/Project template  (2).pptx
+++ b/Project template  (2).pptx
@@ -135,234 +135,6 @@
 </p1510:revInfo>
 </file>
 
-<file path=ppt/changesInfos/changesInfo1.xml><?xml version="1.0" encoding="utf-8"?>
-<pc:chgInfo xmlns:a="http://schemas.openxmlformats.org/drawingml/2006/main" xmlns:r="http://schemas.openxmlformats.org/officeDocument/2006/relationships" xmlns:ac="http://schemas.microsoft.com/office/drawing/2013/main/command" xmlns:pc="http://schemas.microsoft.com/office/powerpoint/2013/main/command">
-  <pc:docChgLst>
-    <pc:chgData name="Uzma Sardar" userId="S::uzma@edunetfoundation.org::890a7be9-5a0a-41fe-80e8-7700810bf9d6" providerId="AD" clId="Web-{47C7BCB7-7546-3717-E035-B2126C89CD1A}"/>
-    <pc:docChg chg="modSld">
-      <pc:chgData name="Uzma Sardar" userId="S::uzma@edunetfoundation.org::890a7be9-5a0a-41fe-80e8-7700810bf9d6" providerId="AD" clId="Web-{47C7BCB7-7546-3717-E035-B2126C89CD1A}" dt="2023-11-22T12:55:27.328" v="2" actId="20577"/>
-      <pc:docMkLst>
-        <pc:docMk/>
-      </pc:docMkLst>
-      <pc:sldChg chg="modSp">
-        <pc:chgData name="Uzma Sardar" userId="S::uzma@edunetfoundation.org::890a7be9-5a0a-41fe-80e8-7700810bf9d6" providerId="AD" clId="Web-{47C7BCB7-7546-3717-E035-B2126C89CD1A}" dt="2023-11-22T12:55:27.328" v="2" actId="20577"/>
-        <pc:sldMkLst>
-          <pc:docMk/>
-          <pc:sldMk cId="1186421160" sldId="262"/>
-        </pc:sldMkLst>
-        <pc:spChg chg="mod">
-          <ac:chgData name="Uzma Sardar" userId="S::uzma@edunetfoundation.org::890a7be9-5a0a-41fe-80e8-7700810bf9d6" providerId="AD" clId="Web-{47C7BCB7-7546-3717-E035-B2126C89CD1A}" dt="2023-11-22T12:55:27.328" v="2" actId="20577"/>
-          <ac:spMkLst>
-            <pc:docMk/>
-            <pc:sldMk cId="1186421160" sldId="262"/>
-            <ac:spMk id="2" creationId="{8FEE4A9C-3F57-7DA7-91FD-715C3FB47F93}"/>
-          </ac:spMkLst>
-        </pc:spChg>
-      </pc:sldChg>
-    </pc:docChg>
-  </pc:docChgLst>
-  <pc:docChgLst>
-    <pc:chgData name="Uzma Sardar" userId="S::uzma@edunetfoundation.org::890a7be9-5a0a-41fe-80e8-7700810bf9d6" providerId="AD" clId="Web-{12466EFC-1F62-CA2C-07B1-96111B302B1B}"/>
-    <pc:docChg chg="addSld modSld sldOrd">
-      <pc:chgData name="Uzma Sardar" userId="S::uzma@edunetfoundation.org::890a7be9-5a0a-41fe-80e8-7700810bf9d6" providerId="AD" clId="Web-{12466EFC-1F62-CA2C-07B1-96111B302B1B}" dt="2023-11-22T13:37:01.483" v="138" actId="20577"/>
-      <pc:docMkLst>
-        <pc:docMk/>
-      </pc:docMkLst>
-      <pc:sldChg chg="modSp">
-        <pc:chgData name="Uzma Sardar" userId="S::uzma@edunetfoundation.org::890a7be9-5a0a-41fe-80e8-7700810bf9d6" providerId="AD" clId="Web-{12466EFC-1F62-CA2C-07B1-96111B302B1B}" dt="2023-11-22T12:50:28.225" v="0" actId="14100"/>
-        <pc:sldMkLst>
-          <pc:docMk/>
-          <pc:sldMk cId="953325580" sldId="256"/>
-        </pc:sldMkLst>
-        <pc:spChg chg="mod">
-          <ac:chgData name="Uzma Sardar" userId="S::uzma@edunetfoundation.org::890a7be9-5a0a-41fe-80e8-7700810bf9d6" providerId="AD" clId="Web-{12466EFC-1F62-CA2C-07B1-96111B302B1B}" dt="2023-11-22T12:50:28.225" v="0" actId="14100"/>
-          <ac:spMkLst>
-            <pc:docMk/>
-            <pc:sldMk cId="953325580" sldId="256"/>
-            <ac:spMk id="4" creationId="{00000000-0000-0000-0000-000000000000}"/>
-          </ac:spMkLst>
-        </pc:spChg>
-      </pc:sldChg>
-      <pc:sldChg chg="modSp ord">
-        <pc:chgData name="Uzma Sardar" userId="S::uzma@edunetfoundation.org::890a7be9-5a0a-41fe-80e8-7700810bf9d6" providerId="AD" clId="Web-{12466EFC-1F62-CA2C-07B1-96111B302B1B}" dt="2023-11-22T13:04:11.113" v="45" actId="20577"/>
-        <pc:sldMkLst>
-          <pc:docMk/>
-          <pc:sldMk cId="1186421160" sldId="262"/>
-        </pc:sldMkLst>
-        <pc:spChg chg="mod">
-          <ac:chgData name="Uzma Sardar" userId="S::uzma@edunetfoundation.org::890a7be9-5a0a-41fe-80e8-7700810bf9d6" providerId="AD" clId="Web-{12466EFC-1F62-CA2C-07B1-96111B302B1B}" dt="2023-11-22T13:04:11.113" v="45" actId="20577"/>
-          <ac:spMkLst>
-            <pc:docMk/>
-            <pc:sldMk cId="1186421160" sldId="262"/>
-            <ac:spMk id="2" creationId="{8FEE4A9C-3F57-7DA7-91FD-715C3FB47F93}"/>
-          </ac:spMkLst>
-        </pc:spChg>
-      </pc:sldChg>
-      <pc:sldChg chg="modSp">
-        <pc:chgData name="Uzma Sardar" userId="S::uzma@edunetfoundation.org::890a7be9-5a0a-41fe-80e8-7700810bf9d6" providerId="AD" clId="Web-{12466EFC-1F62-CA2C-07B1-96111B302B1B}" dt="2023-11-22T13:05:29.646" v="57" actId="20577"/>
-        <pc:sldMkLst>
-          <pc:docMk/>
-          <pc:sldMk cId="3210358481" sldId="263"/>
-        </pc:sldMkLst>
-        <pc:spChg chg="mod">
-          <ac:chgData name="Uzma Sardar" userId="S::uzma@edunetfoundation.org::890a7be9-5a0a-41fe-80e8-7700810bf9d6" providerId="AD" clId="Web-{12466EFC-1F62-CA2C-07B1-96111B302B1B}" dt="2023-11-22T13:05:29.646" v="57" actId="20577"/>
-          <ac:spMkLst>
-            <pc:docMk/>
-            <pc:sldMk cId="3210358481" sldId="263"/>
-            <ac:spMk id="2" creationId="{E041FD9D-DF07-9C37-1E61-1D920E0EF1D4}"/>
-          </ac:spMkLst>
-        </pc:spChg>
-      </pc:sldChg>
-      <pc:sldChg chg="modSp">
-        <pc:chgData name="Uzma Sardar" userId="S::uzma@edunetfoundation.org::890a7be9-5a0a-41fe-80e8-7700810bf9d6" providerId="AD" clId="Web-{12466EFC-1F62-CA2C-07B1-96111B302B1B}" dt="2023-11-22T13:14:11.606" v="93" actId="20577"/>
-        <pc:sldMkLst>
-          <pc:docMk/>
-          <pc:sldMk cId="3202024527" sldId="265"/>
-        </pc:sldMkLst>
-        <pc:spChg chg="mod">
-          <ac:chgData name="Uzma Sardar" userId="S::uzma@edunetfoundation.org::890a7be9-5a0a-41fe-80e8-7700810bf9d6" providerId="AD" clId="Web-{12466EFC-1F62-CA2C-07B1-96111B302B1B}" dt="2023-11-22T13:14:11.606" v="93" actId="20577"/>
-          <ac:spMkLst>
-            <pc:docMk/>
-            <pc:sldMk cId="3202024527" sldId="265"/>
-            <ac:spMk id="2" creationId="{C4FFAF3C-BA60-9181-132C-C36C403AAEA7}"/>
-          </ac:spMkLst>
-        </pc:spChg>
-        <pc:spChg chg="mod">
-          <ac:chgData name="Uzma Sardar" userId="S::uzma@edunetfoundation.org::890a7be9-5a0a-41fe-80e8-7700810bf9d6" providerId="AD" clId="Web-{12466EFC-1F62-CA2C-07B1-96111B302B1B}" dt="2023-11-22T13:11:59.339" v="59" actId="20577"/>
-          <ac:spMkLst>
-            <pc:docMk/>
-            <pc:sldMk cId="3202024527" sldId="265"/>
-            <ac:spMk id="5" creationId="{8FBA75B4-2DD5-42EB-9397-F36BFB8BA723}"/>
-          </ac:spMkLst>
-        </pc:spChg>
-      </pc:sldChg>
-      <pc:sldChg chg="modSp">
-        <pc:chgData name="Uzma Sardar" userId="S::uzma@edunetfoundation.org::890a7be9-5a0a-41fe-80e8-7700810bf9d6" providerId="AD" clId="Web-{12466EFC-1F62-CA2C-07B1-96111B302B1B}" dt="2023-11-22T13:36:39.545" v="134" actId="20577"/>
-        <pc:sldMkLst>
-          <pc:docMk/>
-          <pc:sldMk cId="4154508776" sldId="266"/>
-        </pc:sldMkLst>
-        <pc:spChg chg="mod">
-          <ac:chgData name="Uzma Sardar" userId="S::uzma@edunetfoundation.org::890a7be9-5a0a-41fe-80e8-7700810bf9d6" providerId="AD" clId="Web-{12466EFC-1F62-CA2C-07B1-96111B302B1B}" dt="2023-11-22T13:36:39.545" v="134" actId="20577"/>
-          <ac:spMkLst>
-            <pc:docMk/>
-            <pc:sldMk cId="4154508776" sldId="266"/>
-            <ac:spMk id="2" creationId="{F7F0871F-2198-9E37-C96F-3611AA199B60}"/>
-          </ac:spMkLst>
-        </pc:spChg>
-      </pc:sldChg>
-      <pc:sldChg chg="modSp">
-        <pc:chgData name="Uzma Sardar" userId="S::uzma@edunetfoundation.org::890a7be9-5a0a-41fe-80e8-7700810bf9d6" providerId="AD" clId="Web-{12466EFC-1F62-CA2C-07B1-96111B302B1B}" dt="2023-11-22T13:36:46.529" v="135" actId="20577"/>
-        <pc:sldMkLst>
-          <pc:docMk/>
-          <pc:sldMk cId="1483293388" sldId="267"/>
-        </pc:sldMkLst>
-        <pc:spChg chg="mod">
-          <ac:chgData name="Uzma Sardar" userId="S::uzma@edunetfoundation.org::890a7be9-5a0a-41fe-80e8-7700810bf9d6" providerId="AD" clId="Web-{12466EFC-1F62-CA2C-07B1-96111B302B1B}" dt="2023-11-22T13:36:46.529" v="135" actId="20577"/>
-          <ac:spMkLst>
-            <pc:docMk/>
-            <pc:sldMk cId="1483293388" sldId="267"/>
-            <ac:spMk id="2" creationId="{D3304455-6802-6CA9-8475-2F6DD1B8D409}"/>
-          </ac:spMkLst>
-        </pc:spChg>
-      </pc:sldChg>
-      <pc:sldChg chg="modSp">
-        <pc:chgData name="Uzma Sardar" userId="S::uzma@edunetfoundation.org::890a7be9-5a0a-41fe-80e8-7700810bf9d6" providerId="AD" clId="Web-{12466EFC-1F62-CA2C-07B1-96111B302B1B}" dt="2023-11-22T13:36:52.514" v="136" actId="20577"/>
-        <pc:sldMkLst>
-          <pc:docMk/>
-          <pc:sldMk cId="3183315129" sldId="268"/>
-        </pc:sldMkLst>
-        <pc:spChg chg="mod">
-          <ac:chgData name="Uzma Sardar" userId="S::uzma@edunetfoundation.org::890a7be9-5a0a-41fe-80e8-7700810bf9d6" providerId="AD" clId="Web-{12466EFC-1F62-CA2C-07B1-96111B302B1B}" dt="2023-11-22T13:36:52.514" v="136" actId="20577"/>
-          <ac:spMkLst>
-            <pc:docMk/>
-            <pc:sldMk cId="3183315129" sldId="268"/>
-            <ac:spMk id="2" creationId="{005E46AB-32C4-4B57-A2B1-50738A64BE1B}"/>
-          </ac:spMkLst>
-        </pc:spChg>
-      </pc:sldChg>
-      <pc:sldChg chg="modSp">
-        <pc:chgData name="Uzma Sardar" userId="S::uzma@edunetfoundation.org::890a7be9-5a0a-41fe-80e8-7700810bf9d6" providerId="AD" clId="Web-{12466EFC-1F62-CA2C-07B1-96111B302B1B}" dt="2023-11-22T13:37:01.483" v="138" actId="20577"/>
-        <pc:sldMkLst>
-          <pc:docMk/>
-          <pc:sldMk cId="728950222" sldId="269"/>
-        </pc:sldMkLst>
-        <pc:spChg chg="mod">
-          <ac:chgData name="Uzma Sardar" userId="S::uzma@edunetfoundation.org::890a7be9-5a0a-41fe-80e8-7700810bf9d6" providerId="AD" clId="Web-{12466EFC-1F62-CA2C-07B1-96111B302B1B}" dt="2023-11-22T13:37:01.483" v="138" actId="20577"/>
-          <ac:spMkLst>
-            <pc:docMk/>
-            <pc:sldMk cId="728950222" sldId="269"/>
-            <ac:spMk id="2" creationId="{357C38BC-22B3-37B2-E0C3-812020A76077}"/>
-          </ac:spMkLst>
-        </pc:spChg>
-      </pc:sldChg>
-      <pc:sldChg chg="ord">
-        <pc:chgData name="Uzma Sardar" userId="S::uzma@edunetfoundation.org::890a7be9-5a0a-41fe-80e8-7700810bf9d6" providerId="AD" clId="Web-{12466EFC-1F62-CA2C-07B1-96111B302B1B}" dt="2023-11-22T12:50:39.413" v="1"/>
-        <pc:sldMkLst>
-          <pc:docMk/>
-          <pc:sldMk cId="2900153716" sldId="2146847054"/>
-        </pc:sldMkLst>
-      </pc:sldChg>
-      <pc:sldChg chg="addSp delSp modSp new">
-        <pc:chgData name="Uzma Sardar" userId="S::uzma@edunetfoundation.org::890a7be9-5a0a-41fe-80e8-7700810bf9d6" providerId="AD" clId="Web-{12466EFC-1F62-CA2C-07B1-96111B302B1B}" dt="2023-11-22T13:36:56.748" v="137" actId="20577"/>
-        <pc:sldMkLst>
-          <pc:docMk/>
-          <pc:sldMk cId="614882681" sldId="2146847055"/>
-        </pc:sldMkLst>
-        <pc:spChg chg="del mod">
-          <ac:chgData name="Uzma Sardar" userId="S::uzma@edunetfoundation.org::890a7be9-5a0a-41fe-80e8-7700810bf9d6" providerId="AD" clId="Web-{12466EFC-1F62-CA2C-07B1-96111B302B1B}" dt="2023-11-22T13:35:34.513" v="121"/>
-          <ac:spMkLst>
-            <pc:docMk/>
-            <pc:sldMk cId="614882681" sldId="2146847055"/>
-            <ac:spMk id="2" creationId="{092FD957-A075-74CF-7EC5-14CBBC98A454}"/>
-          </ac:spMkLst>
-        </pc:spChg>
-        <pc:spChg chg="mod">
-          <ac:chgData name="Uzma Sardar" userId="S::uzma@edunetfoundation.org::890a7be9-5a0a-41fe-80e8-7700810bf9d6" providerId="AD" clId="Web-{12466EFC-1F62-CA2C-07B1-96111B302B1B}" dt="2023-11-22T13:36:56.748" v="137" actId="20577"/>
-          <ac:spMkLst>
-            <pc:docMk/>
-            <pc:sldMk cId="614882681" sldId="2146847055"/>
-            <ac:spMk id="3" creationId="{A6638FD1-D00E-E75B-705C-564F06D93D7B}"/>
-          </ac:spMkLst>
-        </pc:spChg>
-        <pc:spChg chg="add mod">
-          <ac:chgData name="Uzma Sardar" userId="S::uzma@edunetfoundation.org::890a7be9-5a0a-41fe-80e8-7700810bf9d6" providerId="AD" clId="Web-{12466EFC-1F62-CA2C-07B1-96111B302B1B}" dt="2023-11-22T13:35:36.794" v="122" actId="1076"/>
-          <ac:spMkLst>
-            <pc:docMk/>
-            <pc:sldMk cId="614882681" sldId="2146847055"/>
-            <ac:spMk id="5" creationId="{3F968F13-9AC4-7120-7ACD-9F752C767D5D}"/>
-          </ac:spMkLst>
-        </pc:spChg>
-      </pc:sldChg>
-    </pc:docChg>
-  </pc:docChgLst>
-  <pc:docChgLst>
-    <pc:chgData name="Shabaz Ahmed Ali" userId="S::shabaz@edunetfoundation.org::8937c481-946d-4552-82de-d81526054d6b" providerId="AD" clId="Web-{0A2B98E8-7AC3-75BD-DBFE-38A4BBF4F439}"/>
-    <pc:docChg chg="modSld">
-      <pc:chgData name="Shabaz Ahmed Ali" userId="S::shabaz@edunetfoundation.org::8937c481-946d-4552-82de-d81526054d6b" providerId="AD" clId="Web-{0A2B98E8-7AC3-75BD-DBFE-38A4BBF4F439}" dt="2024-01-05T12:23:35.348" v="9" actId="20577"/>
-      <pc:docMkLst>
-        <pc:docMk/>
-      </pc:docMkLst>
-      <pc:sldChg chg="modSp">
-        <pc:chgData name="Shabaz Ahmed Ali" userId="S::shabaz@edunetfoundation.org::8937c481-946d-4552-82de-d81526054d6b" providerId="AD" clId="Web-{0A2B98E8-7AC3-75BD-DBFE-38A4BBF4F439}" dt="2024-01-05T12:23:35.348" v="9" actId="20577"/>
-        <pc:sldMkLst>
-          <pc:docMk/>
-          <pc:sldMk cId="2900153716" sldId="2146847054"/>
-        </pc:sldMkLst>
-        <pc:spChg chg="mod">
-          <ac:chgData name="Shabaz Ahmed Ali" userId="S::shabaz@edunetfoundation.org::8937c481-946d-4552-82de-d81526054d6b" providerId="AD" clId="Web-{0A2B98E8-7AC3-75BD-DBFE-38A4BBF4F439}" dt="2024-01-05T12:23:35.348" v="9" actId="20577"/>
-          <ac:spMkLst>
-            <pc:docMk/>
-            <pc:sldMk cId="2900153716" sldId="2146847054"/>
-            <ac:spMk id="3" creationId="{B2678641-EEA3-4EC4-BF39-4075B0C120E8}"/>
-          </ac:spMkLst>
-        </pc:spChg>
-      </pc:sldChg>
-    </pc:docChg>
-  </pc:docChgLst>
-</pc:chgInfo>
-</file>
-
 <file path=ppt/notesMasters/notesMaster1.xml><?xml version="1.0" encoding="utf-8"?>
 <p:notesMaster xmlns:a="http://schemas.openxmlformats.org/drawingml/2006/main" xmlns:r="http://schemas.openxmlformats.org/officeDocument/2006/relationships" xmlns:p="http://schemas.openxmlformats.org/presentationml/2006/main">
   <p:cSld>
@@ -445,7 +217,7 @@
           <a:p>
             <a:fld id="{46256A78-79A6-408F-8148-4F87BB81602D}" type="datetimeFigureOut">
               <a:rPr lang="en-IN" smtClean="0"/>
-              <a:t>05-01-2024</a:t>
+              <a:t>04-04-2024</a:t>
             </a:fld>
             <a:endParaRPr lang="en-IN"/>
           </a:p>
@@ -713,6 +485,90 @@
 </p:notesMaster>
 </file>
 
+<file path=ppt/notesSlides/notesSlide1.xml><?xml version="1.0" encoding="utf-8"?>
+<p:notes xmlns:a="http://schemas.openxmlformats.org/drawingml/2006/main" xmlns:r="http://schemas.openxmlformats.org/officeDocument/2006/relationships" xmlns:p="http://schemas.openxmlformats.org/presentationml/2006/main">
+  <p:cSld>
+    <p:spTree>
+      <p:nvGrpSpPr>
+        <p:cNvPr id="1" name=""/>
+        <p:cNvGrpSpPr/>
+        <p:nvPr/>
+      </p:nvGrpSpPr>
+      <p:grpSpPr>
+        <a:xfrm>
+          <a:off x="0" y="0"/>
+          <a:ext cx="0" cy="0"/>
+          <a:chOff x="0" y="0"/>
+          <a:chExt cx="0" cy="0"/>
+        </a:xfrm>
+      </p:grpSpPr>
+      <p:sp>
+        <p:nvSpPr>
+          <p:cNvPr id="2" name="Slide Image Placeholder 1"/>
+          <p:cNvSpPr>
+            <a:spLocks noGrp="1" noRot="1" noChangeAspect="1"/>
+          </p:cNvSpPr>
+          <p:nvPr>
+            <p:ph type="sldImg"/>
+          </p:nvPr>
+        </p:nvSpPr>
+        <p:spPr/>
+      </p:sp>
+      <p:sp>
+        <p:nvSpPr>
+          <p:cNvPr id="3" name="Notes Placeholder 2"/>
+          <p:cNvSpPr>
+            <a:spLocks noGrp="1"/>
+          </p:cNvSpPr>
+          <p:nvPr>
+            <p:ph type="body" idx="1"/>
+          </p:nvPr>
+        </p:nvSpPr>
+        <p:spPr/>
+        <p:txBody>
+          <a:bodyPr/>
+          <a:lstStyle/>
+          <a:p>
+            <a:endParaRPr lang="en-US" dirty="0"/>
+          </a:p>
+        </p:txBody>
+      </p:sp>
+      <p:sp>
+        <p:nvSpPr>
+          <p:cNvPr id="4" name="Slide Number Placeholder 3"/>
+          <p:cNvSpPr>
+            <a:spLocks noGrp="1"/>
+          </p:cNvSpPr>
+          <p:nvPr>
+            <p:ph type="sldNum" sz="quarter" idx="5"/>
+          </p:nvPr>
+        </p:nvSpPr>
+        <p:spPr/>
+        <p:txBody>
+          <a:bodyPr/>
+          <a:lstStyle/>
+          <a:p>
+            <a:fld id="{17E254F1-4415-47BF-9E91-C5D4B9A33350}" type="slidenum">
+              <a:rPr lang="en-IN" smtClean="0"/>
+              <a:t>4</a:t>
+            </a:fld>
+            <a:endParaRPr lang="en-IN"/>
+          </a:p>
+        </p:txBody>
+      </p:sp>
+    </p:spTree>
+    <p:extLst>
+      <p:ext uri="{BB962C8B-B14F-4D97-AF65-F5344CB8AC3E}">
+        <p14:creationId xmlns:p14="http://schemas.microsoft.com/office/powerpoint/2010/main" val="4010352699"/>
+      </p:ext>
+    </p:extLst>
+  </p:cSld>
+  <p:clrMapOvr>
+    <a:masterClrMapping/>
+  </p:clrMapOvr>
+</p:notes>
+</file>
+
 <file path=ppt/slideLayouts/slideLayout1.xml><?xml version="1.0" encoding="utf-8"?>
 <p:sldLayout xmlns:a="http://schemas.openxmlformats.org/drawingml/2006/main" xmlns:r="http://schemas.openxmlformats.org/officeDocument/2006/relationships" xmlns:p="http://schemas.openxmlformats.org/presentationml/2006/main" type="title" preserve="1">
   <p:cSld name="Title Slide">
@@ -949,7 +805,7 @@
           <a:p>
             <a:fld id="{ED291B17-9318-49DB-B28B-6E5994AE9581}" type="datetime1">
               <a:rPr lang="en-US" smtClean="0"/>
-              <a:t>1/5/2024</a:t>
+              <a:t>4/4/2024</a:t>
             </a:fld>
             <a:endParaRPr lang="en-US"/>
           </a:p>
@@ -1158,7 +1014,7 @@
           <a:p>
             <a:fld id="{2CED4963-E985-44C4-B8C4-FDD613B7C2F8}" type="datetime1">
               <a:rPr lang="en-US" smtClean="0"/>
-              <a:t>1/5/2024</a:t>
+              <a:t>4/4/2024</a:t>
             </a:fld>
             <a:endParaRPr lang="en-US"/>
           </a:p>
@@ -1526,7 +1382,7 @@
           <a:p>
             <a:fld id="{ED291B17-9318-49DB-B28B-6E5994AE9581}" type="datetime1">
               <a:rPr lang="en-US" smtClean="0"/>
-              <a:t>1/5/2024</a:t>
+              <a:t>4/4/2024</a:t>
             </a:fld>
             <a:endParaRPr lang="en-US"/>
           </a:p>
@@ -1730,7 +1586,7 @@
           <a:p>
             <a:fld id="{78DD82B9-B8EE-4375-B6FF-88FA6ABB15D9}" type="datetime1">
               <a:rPr lang="en-US" smtClean="0"/>
-              <a:t>1/5/2024</a:t>
+              <a:t>4/4/2024</a:t>
             </a:fld>
             <a:endParaRPr lang="en-US"/>
           </a:p>
@@ -1987,7 +1843,7 @@
           <a:p>
             <a:fld id="{B2497495-0637-405E-AE64-5CC7506D51F5}" type="datetime1">
               <a:rPr lang="en-US" smtClean="0"/>
-              <a:t>1/5/2024</a:t>
+              <a:t>4/4/2024</a:t>
             </a:fld>
             <a:endParaRPr lang="en-US"/>
           </a:p>
@@ -2245,7 +2101,7 @@
           <a:p>
             <a:fld id="{7BFFD690-9426-415D-8B65-26881E07B2D4}" type="datetime1">
               <a:rPr lang="en-US" smtClean="0"/>
-              <a:t>1/5/2024</a:t>
+              <a:t>4/4/2024</a:t>
             </a:fld>
             <a:endParaRPr lang="en-US"/>
           </a:p>
@@ -2672,7 +2528,7 @@
           <a:p>
             <a:fld id="{04C4989A-474C-40DE-95B9-011C28B71673}" type="datetime1">
               <a:rPr lang="en-US" smtClean="0"/>
-              <a:t>1/5/2024</a:t>
+              <a:t>4/4/2024</a:t>
             </a:fld>
             <a:endParaRPr lang="en-US"/>
           </a:p>
@@ -2802,7 +2658,7 @@
           <a:p>
             <a:fld id="{5DB4ED54-5B5E-4A04-93D3-5772E3CE3818}" type="datetime1">
               <a:rPr lang="en-US" smtClean="0"/>
-              <a:t>1/5/2024</a:t>
+              <a:t>4/4/2024</a:t>
             </a:fld>
             <a:endParaRPr lang="en-US"/>
           </a:p>
@@ -2905,7 +2761,7 @@
           <a:p>
             <a:fld id="{4EDE50D6-574B-40AF-946F-D52A04ADE379}" type="datetime1">
               <a:rPr lang="en-US" smtClean="0"/>
-              <a:t>1/5/2024</a:t>
+              <a:t>4/4/2024</a:t>
             </a:fld>
             <a:endParaRPr lang="en-US"/>
           </a:p>
@@ -3288,7 +3144,7 @@
           <a:p>
             <a:fld id="{D82884F1-FFEA-405F-9602-3DCA865EDA4E}" type="datetime1">
               <a:rPr lang="en-US" smtClean="0"/>
-              <a:t>1/5/2024</a:t>
+              <a:t>4/4/2024</a:t>
             </a:fld>
             <a:endParaRPr lang="en-US"/>
           </a:p>
@@ -3582,7 +3438,7 @@
           <a:p>
             <a:fld id="{7E18DB4A-8810-4A10-AD5C-D5E2C667F5B3}" type="datetime1">
               <a:rPr lang="en-US" smtClean="0"/>
-              <a:t>1/5/2024</a:t>
+              <a:t>4/4/2024</a:t>
             </a:fld>
             <a:endParaRPr lang="en-US"/>
           </a:p>
@@ -3803,7 +3659,7 @@
           <a:p>
             <a:fld id="{ED291B17-9318-49DB-B28B-6E5994AE9581}" type="datetime1">
               <a:rPr lang="en-US" smtClean="0"/>
-              <a:t>1/5/2024</a:t>
+              <a:t>4/4/2024</a:t>
             </a:fld>
             <a:endParaRPr lang="en-US"/>
           </a:p>
@@ -4455,14 +4311,55 @@
           <a:p>
             <a:pPr algn="ctr"/>
             <a:r>
-              <a:rPr lang="en-US" b="1">
+              <a:rPr lang="en-IN" b="1" dirty="0">
                 <a:solidFill>
                   <a:schemeClr val="accent1"/>
                 </a:solidFill>
+                <a:effectLst>
+                  <a:outerShdw blurRad="38100" dist="38100" dir="2700000" algn="tl">
+                    <a:srgbClr val="000000">
+                      <a:alpha val="43137"/>
+                    </a:srgbClr>
+                  </a:outerShdw>
+                </a:effectLst>
                 <a:latin typeface="Arial" panose="020B0604020202020204" pitchFamily="34" charset="0"/>
                 <a:cs typeface="Arial" panose="020B0604020202020204" pitchFamily="34" charset="0"/>
               </a:rPr>
-              <a:t>PROJECT TITLE</a:t>
+              <a:t>K</a:t>
+            </a:r>
+            <a:r>
+              <a:rPr lang="en-US" b="1" dirty="0" err="1">
+                <a:solidFill>
+                  <a:schemeClr val="accent1"/>
+                </a:solidFill>
+                <a:effectLst>
+                  <a:outerShdw blurRad="38100" dist="38100" dir="2700000" algn="tl">
+                    <a:srgbClr val="000000">
+                      <a:alpha val="43137"/>
+                    </a:srgbClr>
+                  </a:outerShdw>
+                </a:effectLst>
+                <a:latin typeface="Arial" panose="020B0604020202020204" pitchFamily="34" charset="0"/>
+                <a:cs typeface="Arial" panose="020B0604020202020204" pitchFamily="34" charset="0"/>
+              </a:rPr>
+              <a:t>eylogger</a:t>
+            </a:r>
+            <a:r>
+              <a:rPr lang="en-US" b="1" dirty="0">
+                <a:solidFill>
+                  <a:schemeClr val="accent1"/>
+                </a:solidFill>
+                <a:effectLst>
+                  <a:outerShdw blurRad="38100" dist="38100" dir="2700000" algn="tl">
+                    <a:srgbClr val="000000">
+                      <a:alpha val="43137"/>
+                    </a:srgbClr>
+                  </a:outerShdw>
+                </a:effectLst>
+                <a:latin typeface="Arial" panose="020B0604020202020204" pitchFamily="34" charset="0"/>
+                <a:cs typeface="Arial" panose="020B0604020202020204" pitchFamily="34" charset="0"/>
+              </a:rPr>
+              <a:t> in security</a:t>
             </a:r>
           </a:p>
         </p:txBody>
@@ -4491,12 +4388,19 @@
           <a:p>
             <a:pPr algn="ctr"/>
             <a:r>
-              <a:rPr lang="en-US" sz="3200" b="1">
+              <a:rPr lang="en-US" sz="3200" b="1" dirty="0">
                 <a:solidFill>
                   <a:schemeClr val="accent1">
                     <a:lumMod val="75000"/>
                   </a:schemeClr>
                 </a:solidFill>
+                <a:effectLst>
+                  <a:outerShdw blurRad="38100" dist="38100" dir="2700000" algn="tl">
+                    <a:srgbClr val="000000">
+                      <a:alpha val="43137"/>
+                    </a:srgbClr>
+                  </a:outerShdw>
+                </a:effectLst>
                 <a:latin typeface="Arial"/>
                 <a:cs typeface="Arial"/>
               </a:rPr>
@@ -4513,8 +4417,8 @@
         </p:nvSpPr>
         <p:spPr>
           <a:xfrm>
-            <a:off x="3117529" y="4586365"/>
-            <a:ext cx="7980183" cy="707886"/>
+            <a:off x="5275385" y="3699803"/>
+            <a:ext cx="6316393" cy="1938992"/>
           </a:xfrm>
           <a:prstGeom prst="rect">
             <a:avLst/>
@@ -4528,12 +4432,19 @@
           <a:lstStyle/>
           <a:p>
             <a:r>
-              <a:rPr lang="en-US" sz="2000" b="1">
+              <a:rPr lang="en-US" sz="2000" b="1" dirty="0">
                 <a:solidFill>
                   <a:schemeClr val="accent1">
                     <a:lumMod val="75000"/>
                   </a:schemeClr>
                 </a:solidFill>
+                <a:effectLst>
+                  <a:outerShdw blurRad="38100" dist="38100" dir="2700000" algn="tl">
+                    <a:srgbClr val="000000">
+                      <a:alpha val="43137"/>
+                    </a:srgbClr>
+                  </a:outerShdw>
+                </a:effectLst>
                 <a:latin typeface="Arial" pitchFamily="34" charset="0"/>
                 <a:cs typeface="Arial" pitchFamily="34" charset="0"/>
               </a:rPr>
@@ -4542,16 +4453,259 @@
           </a:p>
           <a:p>
             <a:r>
-              <a:rPr lang="en-US" sz="2000" b="1">
+              <a:rPr lang="en-US" sz="2000" b="1" dirty="0">
                 <a:solidFill>
                   <a:schemeClr val="accent1">
                     <a:lumMod val="75000"/>
                   </a:schemeClr>
                 </a:solidFill>
+                <a:effectLst>
+                  <a:outerShdw blurRad="38100" dist="38100" dir="2700000" algn="tl">
+                    <a:srgbClr val="000000">
+                      <a:alpha val="43137"/>
+                    </a:srgbClr>
+                  </a:outerShdw>
+                </a:effectLst>
                 <a:latin typeface="Arial"/>
                 <a:cs typeface="Arial"/>
               </a:rPr>
-              <a:t>1. Student Name-College Name-Department</a:t>
+              <a:t>             </a:t>
+            </a:r>
+            <a:r>
+              <a:rPr lang="en-US" sz="2000" b="1" dirty="0" err="1">
+                <a:solidFill>
+                  <a:schemeClr val="accent1">
+                    <a:lumMod val="75000"/>
+                  </a:schemeClr>
+                </a:solidFill>
+                <a:effectLst>
+                  <a:outerShdw blurRad="38100" dist="38100" dir="2700000" algn="tl">
+                    <a:srgbClr val="000000">
+                      <a:alpha val="43137"/>
+                    </a:srgbClr>
+                  </a:outerShdw>
+                </a:effectLst>
+                <a:latin typeface="Arial"/>
+                <a:cs typeface="Arial"/>
+              </a:rPr>
+              <a:t>A.Atchaya</a:t>
+            </a:r>
+            <a:r>
+              <a:rPr lang="en-US" sz="2000" b="1" dirty="0">
+                <a:solidFill>
+                  <a:schemeClr val="accent1">
+                    <a:lumMod val="75000"/>
+                  </a:schemeClr>
+                </a:solidFill>
+                <a:effectLst>
+                  <a:outerShdw blurRad="38100" dist="38100" dir="2700000" algn="tl">
+                    <a:srgbClr val="000000">
+                      <a:alpha val="43137"/>
+                    </a:srgbClr>
+                  </a:outerShdw>
+                </a:effectLst>
+                <a:latin typeface="Arial"/>
+                <a:cs typeface="Arial"/>
+              </a:rPr>
+              <a:t> Devi</a:t>
+            </a:r>
+          </a:p>
+          <a:p>
+            <a:r>
+              <a:rPr lang="en-US" sz="2000" b="1" dirty="0">
+                <a:solidFill>
+                  <a:schemeClr val="accent1">
+                    <a:lumMod val="75000"/>
+                  </a:schemeClr>
+                </a:solidFill>
+                <a:effectLst>
+                  <a:outerShdw blurRad="38100" dist="38100" dir="2700000" algn="tl">
+                    <a:srgbClr val="000000">
+                      <a:alpha val="43137"/>
+                    </a:srgbClr>
+                  </a:outerShdw>
+                </a:effectLst>
+                <a:latin typeface="Arial"/>
+                <a:cs typeface="Arial"/>
+              </a:rPr>
+              <a:t>   </a:t>
+            </a:r>
+            <a:r>
+              <a:rPr lang="en-US" sz="2000" b="1" dirty="0" err="1">
+                <a:solidFill>
+                  <a:schemeClr val="accent1">
+                    <a:lumMod val="75000"/>
+                  </a:schemeClr>
+                </a:solidFill>
+                <a:effectLst>
+                  <a:outerShdw blurRad="38100" dist="38100" dir="2700000" algn="tl">
+                    <a:srgbClr val="000000">
+                      <a:alpha val="43137"/>
+                    </a:srgbClr>
+                  </a:outerShdw>
+                </a:effectLst>
+                <a:latin typeface="Arial"/>
+                <a:cs typeface="Arial"/>
+              </a:rPr>
+              <a:t>Jayaraj</a:t>
+            </a:r>
+            <a:r>
+              <a:rPr lang="en-US" sz="2000" b="1" dirty="0">
+                <a:solidFill>
+                  <a:schemeClr val="accent1">
+                    <a:lumMod val="75000"/>
+                  </a:schemeClr>
+                </a:solidFill>
+                <a:effectLst>
+                  <a:outerShdw blurRad="38100" dist="38100" dir="2700000" algn="tl">
+                    <a:srgbClr val="000000">
+                      <a:alpha val="43137"/>
+                    </a:srgbClr>
+                  </a:outerShdw>
+                </a:effectLst>
+                <a:latin typeface="Arial"/>
+                <a:cs typeface="Arial"/>
+              </a:rPr>
+              <a:t> </a:t>
+            </a:r>
+            <a:r>
+              <a:rPr lang="en-US" sz="2000" b="1" dirty="0" err="1">
+                <a:solidFill>
+                  <a:schemeClr val="accent1">
+                    <a:lumMod val="75000"/>
+                  </a:schemeClr>
+                </a:solidFill>
+                <a:effectLst>
+                  <a:outerShdw blurRad="38100" dist="38100" dir="2700000" algn="tl">
+                    <a:srgbClr val="000000">
+                      <a:alpha val="43137"/>
+                    </a:srgbClr>
+                  </a:outerShdw>
+                </a:effectLst>
+                <a:latin typeface="Arial"/>
+                <a:cs typeface="Arial"/>
+              </a:rPr>
+              <a:t>Annapackiam</a:t>
+            </a:r>
+            <a:r>
+              <a:rPr lang="en-US" sz="2000" b="1" dirty="0">
+                <a:solidFill>
+                  <a:schemeClr val="accent1">
+                    <a:lumMod val="75000"/>
+                  </a:schemeClr>
+                </a:solidFill>
+                <a:effectLst>
+                  <a:outerShdw blurRad="38100" dist="38100" dir="2700000" algn="tl">
+                    <a:srgbClr val="000000">
+                      <a:alpha val="43137"/>
+                    </a:srgbClr>
+                  </a:outerShdw>
+                </a:effectLst>
+                <a:latin typeface="Arial"/>
+                <a:cs typeface="Arial"/>
+              </a:rPr>
+              <a:t> </a:t>
+            </a:r>
+            <a:r>
+              <a:rPr lang="en-US" sz="2000" b="1" dirty="0" err="1">
+                <a:solidFill>
+                  <a:schemeClr val="accent1">
+                    <a:lumMod val="75000"/>
+                  </a:schemeClr>
+                </a:solidFill>
+                <a:effectLst>
+                  <a:outerShdw blurRad="38100" dist="38100" dir="2700000" algn="tl">
+                    <a:srgbClr val="000000">
+                      <a:alpha val="43137"/>
+                    </a:srgbClr>
+                  </a:outerShdw>
+                </a:effectLst>
+                <a:latin typeface="Arial"/>
+                <a:cs typeface="Arial"/>
+              </a:rPr>
+              <a:t>csi</a:t>
+            </a:r>
+            <a:r>
+              <a:rPr lang="en-US" sz="2000" b="1" dirty="0">
+                <a:solidFill>
+                  <a:schemeClr val="accent1">
+                    <a:lumMod val="75000"/>
+                  </a:schemeClr>
+                </a:solidFill>
+                <a:effectLst>
+                  <a:outerShdw blurRad="38100" dist="38100" dir="2700000" algn="tl">
+                    <a:srgbClr val="000000">
+                      <a:alpha val="43137"/>
+                    </a:srgbClr>
+                  </a:outerShdw>
+                </a:effectLst>
+                <a:latin typeface="Arial"/>
+                <a:cs typeface="Arial"/>
+              </a:rPr>
+              <a:t> college of Engineering</a:t>
+            </a:r>
+          </a:p>
+          <a:p>
+            <a:r>
+              <a:rPr lang="en-US" sz="2000" b="1" dirty="0">
+                <a:solidFill>
+                  <a:schemeClr val="accent1">
+                    <a:lumMod val="75000"/>
+                  </a:schemeClr>
+                </a:solidFill>
+                <a:effectLst>
+                  <a:outerShdw blurRad="38100" dist="38100" dir="2700000" algn="tl">
+                    <a:srgbClr val="000000">
+                      <a:alpha val="43137"/>
+                    </a:srgbClr>
+                  </a:outerShdw>
+                </a:effectLst>
+                <a:latin typeface="Arial"/>
+                <a:cs typeface="Arial"/>
+              </a:rPr>
+              <a:t>             au951321205008</a:t>
+            </a:r>
+          </a:p>
+          <a:p>
+            <a:r>
+              <a:rPr lang="en-US" sz="2000" b="1" dirty="0">
+                <a:solidFill>
+                  <a:schemeClr val="accent1">
+                    <a:lumMod val="75000"/>
+                  </a:schemeClr>
+                </a:solidFill>
+                <a:effectLst>
+                  <a:outerShdw blurRad="38100" dist="38100" dir="2700000" algn="tl">
+                    <a:srgbClr val="000000">
+                      <a:alpha val="43137"/>
+                    </a:srgbClr>
+                  </a:outerShdw>
+                </a:effectLst>
+                <a:latin typeface="Arial"/>
+                <a:cs typeface="Arial"/>
+              </a:rPr>
+              <a:t>                B.TECH(IT)  </a:t>
+            </a:r>
+          </a:p>
+          <a:p>
+            <a:r>
+              <a:rPr lang="en-US" sz="2000" b="1" dirty="0">
+                <a:solidFill>
+                  <a:schemeClr val="accent1">
+                    <a:lumMod val="75000"/>
+                  </a:schemeClr>
+                </a:solidFill>
+                <a:effectLst>
+                  <a:outerShdw blurRad="38100" dist="38100" dir="2700000" algn="tl">
+                    <a:srgbClr val="000000">
+                      <a:alpha val="43137"/>
+                    </a:srgbClr>
+                  </a:outerShdw>
+                </a:effectLst>
+                <a:latin typeface="Arial"/>
+                <a:cs typeface="Arial"/>
+              </a:rPr>
+              <a:t>               Pre Final year</a:t>
             </a:r>
           </a:p>
         </p:txBody>
@@ -4602,7 +4756,12 @@
             <p:ph type="title"/>
           </p:nvPr>
         </p:nvSpPr>
-        <p:spPr/>
+        <p:spPr>
+          <a:xfrm>
+            <a:off x="581192" y="771730"/>
+            <a:ext cx="11029616" cy="530296"/>
+          </a:xfrm>
+        </p:spPr>
         <p:txBody>
           <a:bodyPr>
             <a:normAutofit fontScale="90000"/>
@@ -4610,17 +4769,32 @@
           <a:lstStyle/>
           <a:p>
             <a:r>
-              <a:rPr lang="en-US" sz="4400" b="1">
+              <a:rPr lang="en-US" sz="4400" b="1" dirty="0">
                 <a:solidFill>
                   <a:schemeClr val="accent1"/>
                 </a:solidFill>
+                <a:effectLst>
+                  <a:outerShdw blurRad="38100" dist="38100" dir="2700000" algn="tl">
+                    <a:srgbClr val="000000">
+                      <a:alpha val="43137"/>
+                    </a:srgbClr>
+                  </a:outerShdw>
+                </a:effectLst>
                 <a:latin typeface="Arial"/>
                 <a:ea typeface="+mj-lt"/>
                 <a:cs typeface="Arial"/>
               </a:rPr>
               <a:t>References</a:t>
             </a:r>
-            <a:endParaRPr lang="en-US"/>
+            <a:endParaRPr lang="en-US" dirty="0">
+              <a:effectLst>
+                <a:outerShdw blurRad="38100" dist="38100" dir="2700000" algn="tl">
+                  <a:srgbClr val="000000">
+                    <a:alpha val="43137"/>
+                  </a:srgbClr>
+                </a:outerShdw>
+              </a:effectLst>
+            </a:endParaRPr>
           </a:p>
         </p:txBody>
       </p:sp>
@@ -4720,10 +4894,17 @@
           <a:p>
             <a:pPr algn="ctr"/>
             <a:r>
-              <a:rPr lang="en-US" b="1">
+              <a:rPr lang="en-US" b="1" dirty="0">
                 <a:solidFill>
                   <a:srgbClr val="002060"/>
                 </a:solidFill>
+                <a:effectLst>
+                  <a:outerShdw blurRad="38100" dist="38100" dir="2700000" algn="tl">
+                    <a:srgbClr val="000000">
+                      <a:alpha val="43137"/>
+                    </a:srgbClr>
+                  </a:outerShdw>
+                </a:effectLst>
                 <a:latin typeface="Arial" panose="020B0604020202020204" pitchFamily="34" charset="0"/>
                 <a:cs typeface="Arial" panose="020B0604020202020204" pitchFamily="34" charset="0"/>
               </a:rPr>
@@ -4789,10 +4970,17 @@
           <a:lstStyle/>
           <a:p>
             <a:r>
-              <a:rPr lang="en-US" b="1">
+              <a:rPr lang="en-US" b="1" dirty="0">
                 <a:solidFill>
                   <a:srgbClr val="002060"/>
                 </a:solidFill>
+                <a:effectLst>
+                  <a:outerShdw blurRad="38100" dist="38100" dir="2700000" algn="tl">
+                    <a:srgbClr val="000000">
+                      <a:alpha val="43137"/>
+                    </a:srgbClr>
+                  </a:outerShdw>
+                </a:effectLst>
                 <a:latin typeface="Arial" panose="020B0604020202020204" pitchFamily="34" charset="0"/>
                 <a:cs typeface="Arial" panose="020B0604020202020204" pitchFamily="34" charset="0"/>
               </a:rPr>
@@ -4846,7 +5034,10 @@
             </a:endParaRPr>
           </a:p>
           <a:p>
-            <a:pPr marL="305435" indent="-305435"/>
+            <a:pPr>
+              <a:buFont typeface="Wingdings" panose="05000000000000000000" pitchFamily="2" charset="2"/>
+              <a:buChar char="Ø"/>
+            </a:pPr>
             <a:r>
               <a:rPr lang="en-US" sz="2000" b="1" dirty="0">
                 <a:latin typeface="Arial"/>
@@ -4869,7 +5060,10 @@
             </a:endParaRPr>
           </a:p>
           <a:p>
-            <a:pPr marL="305435" indent="-305435"/>
+            <a:pPr>
+              <a:buFont typeface="Wingdings" panose="05000000000000000000" pitchFamily="2" charset="2"/>
+              <a:buChar char="Ø"/>
+            </a:pPr>
             <a:r>
               <a:rPr lang="en-US" sz="2000" b="1" dirty="0">
                 <a:latin typeface="Arial"/>
@@ -4884,7 +5078,10 @@
             </a:endParaRPr>
           </a:p>
           <a:p>
-            <a:pPr marL="305435" indent="-305435"/>
+            <a:pPr>
+              <a:buFont typeface="Wingdings" panose="05000000000000000000" pitchFamily="2" charset="2"/>
+              <a:buChar char="Ø"/>
+            </a:pPr>
             <a:r>
               <a:rPr lang="en-US" sz="2000" b="1" dirty="0">
                 <a:latin typeface="Arial"/>
@@ -4916,7 +5113,10 @@
             </a:endParaRPr>
           </a:p>
           <a:p>
-            <a:pPr marL="305435" indent="-305435"/>
+            <a:pPr>
+              <a:buFont typeface="Wingdings" panose="05000000000000000000" pitchFamily="2" charset="2"/>
+              <a:buChar char="Ø"/>
+            </a:pPr>
             <a:r>
               <a:rPr lang="en-US" sz="2000" b="1" dirty="0">
                 <a:latin typeface="Arial"/>
@@ -4931,7 +5131,10 @@
             </a:endParaRPr>
           </a:p>
           <a:p>
-            <a:pPr marL="305435" indent="-305435"/>
+            <a:pPr>
+              <a:buFont typeface="Wingdings" panose="05000000000000000000" pitchFamily="2" charset="2"/>
+              <a:buChar char="Ø"/>
+            </a:pPr>
             <a:r>
               <a:rPr lang="en-US" sz="2000" b="1" dirty="0">
                 <a:latin typeface="Arial"/>
@@ -4942,7 +5145,10 @@
             </a:r>
           </a:p>
           <a:p>
-            <a:pPr marL="305435" indent="-305435"/>
+            <a:pPr>
+              <a:buFont typeface="Wingdings" panose="05000000000000000000" pitchFamily="2" charset="2"/>
+              <a:buChar char="Ø"/>
+            </a:pPr>
             <a:r>
               <a:rPr lang="en-US" sz="2000" b="1" dirty="0">
                 <a:latin typeface="Arial"/>
@@ -4957,7 +5163,10 @@
             </a:endParaRPr>
           </a:p>
           <a:p>
-            <a:pPr marL="305435" indent="-305435"/>
+            <a:pPr>
+              <a:buFont typeface="Wingdings" panose="05000000000000000000" pitchFamily="2" charset="2"/>
+              <a:buChar char="Ø"/>
+            </a:pPr>
             <a:r>
               <a:rPr lang="en-US" sz="2000" b="1" dirty="0">
                 <a:latin typeface="Arial"/>
@@ -4968,7 +5177,10 @@
             </a:r>
           </a:p>
           <a:p>
-            <a:pPr marL="305435" indent="-305435"/>
+            <a:pPr>
+              <a:buFont typeface="Wingdings" panose="05000000000000000000" pitchFamily="2" charset="2"/>
+              <a:buChar char="Ø"/>
+            </a:pPr>
             <a:r>
               <a:rPr lang="en-US" sz="2000" b="1" dirty="0">
                 <a:latin typeface="Arial"/>
@@ -4984,7 +5196,7 @@
           </a:p>
           <a:p>
             <a:pPr marL="305435" indent="-305435"/>
-            <a:endParaRPr lang="en-US">
+            <a:endParaRPr lang="en-US" dirty="0">
               <a:latin typeface="Arial"/>
               <a:cs typeface="Arial"/>
             </a:endParaRPr>
@@ -5045,16 +5257,31 @@
           <a:lstStyle/>
           <a:p>
             <a:r>
-              <a:rPr lang="en-US" sz="4400" b="1">
+              <a:rPr lang="en-US" sz="4400" b="1" dirty="0">
                 <a:solidFill>
                   <a:schemeClr val="accent1"/>
                 </a:solidFill>
+                <a:effectLst>
+                  <a:outerShdw blurRad="38100" dist="38100" dir="2700000" algn="tl">
+                    <a:srgbClr val="000000">
+                      <a:alpha val="43137"/>
+                    </a:srgbClr>
+                  </a:outerShdw>
+                </a:effectLst>
                 <a:latin typeface="Arial" panose="020B0604020202020204" pitchFamily="34" charset="0"/>
                 <a:cs typeface="Arial" panose="020B0604020202020204" pitchFamily="34" charset="0"/>
               </a:rPr>
               <a:t>Problem Statement</a:t>
             </a:r>
-            <a:endParaRPr lang="en-US" sz="4400"/>
+            <a:endParaRPr lang="en-US" sz="4400" dirty="0">
+              <a:effectLst>
+                <a:outerShdw blurRad="38100" dist="38100" dir="2700000" algn="tl">
+                  <a:srgbClr val="000000">
+                    <a:alpha val="43137"/>
+                  </a:srgbClr>
+                </a:outerShdw>
+              </a:effectLst>
+            </a:endParaRPr>
           </a:p>
         </p:txBody>
       </p:sp>
@@ -5088,40 +5315,65 @@
               <a:buNone/>
             </a:pPr>
             <a:r>
-              <a:rPr lang="en-IN" sz="3200">
+              <a:rPr lang="en-IN" sz="3200" dirty="0">
                 <a:solidFill>
                   <a:srgbClr val="0F0F0F"/>
                 </a:solidFill>
+                <a:effectLst>
+                  <a:outerShdw blurRad="38100" dist="38100" dir="2700000" algn="tl">
+                    <a:srgbClr val="000000">
+                      <a:alpha val="43137"/>
+                    </a:srgbClr>
+                  </a:outerShdw>
+                </a:effectLst>
                 <a:ea typeface="+mn-lt"/>
                 <a:cs typeface="+mn-lt"/>
               </a:rPr>
               <a:t>Example:</a:t>
             </a:r>
             <a:r>
-              <a:rPr lang="en-IN" sz="2800">
+              <a:rPr lang="en-IN" sz="2800" dirty="0">
                 <a:solidFill>
                   <a:srgbClr val="0F0F0F"/>
                 </a:solidFill>
+                <a:effectLst>
+                  <a:outerShdw blurRad="38100" dist="38100" dir="2700000" algn="tl">
+                    <a:srgbClr val="000000">
+                      <a:alpha val="43137"/>
+                    </a:srgbClr>
+                  </a:outerShdw>
+                </a:effectLst>
                 <a:ea typeface="+mn-lt"/>
                 <a:cs typeface="+mn-lt"/>
               </a:rPr>
               <a:t> </a:t>
             </a:r>
-            <a:r>
-              <a:rPr lang="en-IN" sz="2400">
+          </a:p>
+          <a:p>
+            <a:pPr marL="0" indent="0">
+              <a:lnSpc>
+                <a:spcPct val="150000"/>
+              </a:lnSpc>
+              <a:buNone/>
+            </a:pPr>
+            <a:r>
+              <a:rPr lang="en-IN" sz="2400" dirty="0">
                 <a:solidFill>
                   <a:srgbClr val="0F0F0F"/>
                 </a:solidFill>
+                <a:latin typeface="Constantia" panose="02030602050306030303" pitchFamily="18" charset="0"/>
                 <a:ea typeface="+mn-lt"/>
                 <a:cs typeface="+mn-lt"/>
               </a:rPr>
               <a:t>Currently Rental bikes are introduced in many urban cities for the enhancement of mobility comfort. It is important to make the rental bike available and accessible to the public at the right time as it lessens the waiting time. Eventually, providing the city with a stable supply of rental bikes becomes a major concern. The crucial part is the prediction of bike count required at each hour for the stable supply of rental bikes.</a:t>
             </a:r>
-            <a:endParaRPr lang="en-IN" sz="2400"/>
+            <a:endParaRPr lang="en-IN" sz="2400" dirty="0">
+              <a:latin typeface="Constantia" panose="02030602050306030303" pitchFamily="18" charset="0"/>
+            </a:endParaRPr>
           </a:p>
           <a:p>
             <a:pPr marL="305435" indent="-305435"/>
-            <a:endParaRPr lang="en-IN"/>
+            <a:endParaRPr lang="en-IN" dirty="0"/>
           </a:p>
         </p:txBody>
       </p:sp>
@@ -5171,7 +5423,12 @@
             <p:ph type="title"/>
           </p:nvPr>
         </p:nvSpPr>
-        <p:spPr/>
+        <p:spPr>
+          <a:xfrm>
+            <a:off x="733605" y="688088"/>
+            <a:ext cx="11029616" cy="530296"/>
+          </a:xfrm>
+        </p:spPr>
         <p:txBody>
           <a:bodyPr>
             <a:normAutofit fontScale="90000"/>
@@ -5179,16 +5436,31 @@
           <a:lstStyle/>
           <a:p>
             <a:r>
-              <a:rPr lang="en-US" sz="4400" b="1">
+              <a:rPr lang="en-US" sz="4400" b="1" dirty="0">
                 <a:solidFill>
                   <a:schemeClr val="accent1"/>
                 </a:solidFill>
+                <a:effectLst>
+                  <a:outerShdw blurRad="38100" dist="38100" dir="2700000" algn="tl">
+                    <a:srgbClr val="000000">
+                      <a:alpha val="43137"/>
+                    </a:srgbClr>
+                  </a:outerShdw>
+                </a:effectLst>
                 <a:latin typeface="Arial" panose="020B0604020202020204" pitchFamily="34" charset="0"/>
                 <a:cs typeface="Arial" panose="020B0604020202020204" pitchFamily="34" charset="0"/>
               </a:rPr>
               <a:t>Proposed Solution</a:t>
             </a:r>
-            <a:endParaRPr lang="en-US" sz="4400"/>
+            <a:endParaRPr lang="en-US" sz="4400" dirty="0">
+              <a:effectLst>
+                <a:outerShdw blurRad="38100" dist="38100" dir="2700000" algn="tl">
+                  <a:srgbClr val="000000">
+                    <a:alpha val="43137"/>
+                  </a:srgbClr>
+                </a:outerShdw>
+              </a:effectLst>
+            </a:endParaRPr>
           </a:p>
         </p:txBody>
       </p:sp>
@@ -5221,22 +5493,39 @@
           <a:lstStyle/>
           <a:p>
             <a:pPr marL="305435" indent="-305435"/>
-            <a:endParaRPr lang="en-IN" sz="1200" b="1">
+            <a:endParaRPr lang="en-IN" sz="1200" b="1" dirty="0">
               <a:latin typeface="Calibri"/>
               <a:cs typeface="Calibri"/>
             </a:endParaRPr>
           </a:p>
           <a:p>
-            <a:pPr marL="305435" indent="-305435"/>
-            <a:r>
-              <a:rPr lang="en-IN" sz="1200" b="1">
+            <a:pPr marL="0" indent="0">
+              <a:buNone/>
+            </a:pPr>
+            <a:r>
+              <a:rPr lang="en-IN" sz="1200" b="1" dirty="0">
+                <a:effectLst>
+                  <a:outerShdw blurRad="38100" dist="38100" dir="2700000" algn="tl">
+                    <a:srgbClr val="000000">
+                      <a:alpha val="43137"/>
+                    </a:srgbClr>
+                  </a:outerShdw>
+                </a:effectLst>
                 <a:latin typeface="Calibri"/>
                 <a:ea typeface="+mn-lt"/>
                 <a:cs typeface="+mn-lt"/>
               </a:rPr>
-              <a:t>The proposed system aims to address the challenge of predicting the required bike count at each hour to ensure a stable supply of rental bikes. This involves leveraging data analytics and machine learning techniques to forecast demand patterns accurately. The solution will consist of the following components:</a:t>
-            </a:r>
-            <a:endParaRPr lang="en-IN" sz="1200" b="1">
+              <a:t>The proposed system aims to address the challenge of predicting the required bike count at each hour to ensure a stable supply of rental bikes. This involves leveraging data analytics and machine learning techniques to forecast demand patterns accurately. The solution will consist of the following components</a:t>
+            </a:r>
+            <a:r>
+              <a:rPr lang="en-IN" sz="1200" b="1" dirty="0">
+                <a:latin typeface="Calibri"/>
+                <a:ea typeface="+mn-lt"/>
+                <a:cs typeface="+mn-lt"/>
+              </a:rPr>
+              <a:t>:</a:t>
+            </a:r>
+            <a:endParaRPr lang="en-IN" sz="1200" b="1" dirty="0">
               <a:latin typeface="Calibri"/>
               <a:cs typeface="Calibri"/>
             </a:endParaRPr>
@@ -5244,44 +5533,64 @@
           <a:p>
             <a:pPr marL="305435" indent="-305435"/>
             <a:r>
-              <a:rPr lang="en-IN" sz="1200" b="1">
+              <a:rPr lang="en-IN" sz="1200" b="1" dirty="0">
+                <a:effectLst>
+                  <a:outerShdw blurRad="38100" dist="38100" dir="2700000" algn="tl">
+                    <a:srgbClr val="000000">
+                      <a:alpha val="43137"/>
+                    </a:srgbClr>
+                  </a:outerShdw>
+                </a:effectLst>
                 <a:latin typeface="Calibri"/>
                 <a:ea typeface="+mn-lt"/>
                 <a:cs typeface="+mn-lt"/>
               </a:rPr>
               <a:t>Data Collection:</a:t>
             </a:r>
-            <a:endParaRPr lang="en-IN" sz="1200" b="1">
+            <a:endParaRPr lang="en-IN" sz="1200" b="1" dirty="0">
+              <a:effectLst>
+                <a:outerShdw blurRad="38100" dist="38100" dir="2700000" algn="tl">
+                  <a:srgbClr val="000000">
+                    <a:alpha val="43137"/>
+                  </a:srgbClr>
+                </a:outerShdw>
+              </a:effectLst>
               <a:latin typeface="Calibri"/>
               <a:cs typeface="Calibri"/>
             </a:endParaRPr>
           </a:p>
           <a:p>
-            <a:pPr marL="629920" lvl="1" indent="-305435"/>
-            <a:r>
-              <a:rPr lang="en-IN" sz="1200" b="1">
+            <a:pPr marL="629920" lvl="1" indent="-305435">
+              <a:buFont typeface="Wingdings" panose="05000000000000000000" pitchFamily="2" charset="2"/>
+              <a:buChar char="Ø"/>
+            </a:pPr>
+            <a:r>
+              <a:rPr lang="en-IN" sz="1200" b="1" dirty="0">
                 <a:latin typeface="Calibri"/>
                 <a:ea typeface="+mn-lt"/>
                 <a:cs typeface="+mn-lt"/>
               </a:rPr>
               <a:t>Gather historical data on bike rentals, including time, date, location, and other relevant factors.</a:t>
             </a:r>
-            <a:endParaRPr lang="en-IN" sz="1200" b="1">
+            <a:endParaRPr lang="en-IN" sz="1200" b="1" dirty="0">
               <a:latin typeface="Calibri"/>
               <a:cs typeface="Calibri"/>
             </a:endParaRPr>
           </a:p>
           <a:p>
-            <a:pPr marL="629920" lvl="1" indent="-305435"/>
-            <a:r>
-              <a:rPr lang="en-IN" sz="1200" b="1">
+            <a:pPr marL="629920" lvl="1" indent="-305435">
+              <a:buFont typeface="Wingdings" panose="05000000000000000000" pitchFamily="2" charset="2"/>
+              <a:buChar char="Ø"/>
+            </a:pPr>
+            <a:r>
+              <a:rPr lang="en-IN" sz="1200" b="1" dirty="0">
                 <a:latin typeface="Calibri"/>
                 <a:ea typeface="+mn-lt"/>
                 <a:cs typeface="+mn-lt"/>
               </a:rPr>
               <a:t>Utilize real-time data sources, such as weather conditions, events, and holidays, to enhance prediction accuracy.</a:t>
             </a:r>
-            <a:endParaRPr lang="en-IN" sz="1200" b="1">
+            <a:endParaRPr lang="en-IN" sz="1200" b="1" dirty="0">
               <a:latin typeface="Calibri"/>
               <a:cs typeface="Calibri"/>
             </a:endParaRPr>
@@ -5289,44 +5598,96 @@
           <a:p>
             <a:pPr marL="305435" indent="-305435"/>
             <a:r>
-              <a:rPr lang="en-IN" sz="1200" b="1">
+              <a:rPr lang="en-IN" sz="1200" b="1" dirty="0">
+                <a:effectLst>
+                  <a:outerShdw blurRad="38100" dist="38100" dir="2700000" algn="tl">
+                    <a:srgbClr val="000000">
+                      <a:alpha val="43137"/>
+                    </a:srgbClr>
+                  </a:outerShdw>
+                </a:effectLst>
                 <a:latin typeface="Calibri"/>
                 <a:ea typeface="+mn-lt"/>
                 <a:cs typeface="+mn-lt"/>
               </a:rPr>
-              <a:t>Data Preprocessing:</a:t>
-            </a:r>
-            <a:endParaRPr lang="en-IN" sz="1200" b="1">
+              <a:t>Data </a:t>
+            </a:r>
+            <a:r>
+              <a:rPr lang="en-IN" sz="1200" b="1" dirty="0" err="1">
+                <a:effectLst>
+                  <a:outerShdw blurRad="38100" dist="38100" dir="2700000" algn="tl">
+                    <a:srgbClr val="000000">
+                      <a:alpha val="43137"/>
+                    </a:srgbClr>
+                  </a:outerShdw>
+                </a:effectLst>
+                <a:latin typeface="Calibri"/>
+                <a:ea typeface="+mn-lt"/>
+                <a:cs typeface="+mn-lt"/>
+              </a:rPr>
+              <a:t>Preprocessing</a:t>
+            </a:r>
+            <a:r>
+              <a:rPr lang="en-IN" sz="1200" b="1" dirty="0">
+                <a:latin typeface="Calibri"/>
+                <a:ea typeface="+mn-lt"/>
+                <a:cs typeface="+mn-lt"/>
+              </a:rPr>
+              <a:t>:</a:t>
+            </a:r>
+            <a:endParaRPr lang="en-IN" sz="1200" b="1" dirty="0">
               <a:latin typeface="Calibri"/>
               <a:cs typeface="Calibri"/>
             </a:endParaRPr>
           </a:p>
           <a:p>
-            <a:pPr marL="629920" lvl="1" indent="-305435"/>
-            <a:r>
-              <a:rPr lang="en-IN" sz="1200" b="1">
+            <a:pPr marL="629920" lvl="1" indent="-305435">
+              <a:buFont typeface="Wingdings" panose="05000000000000000000" pitchFamily="2" charset="2"/>
+              <a:buChar char="Ø"/>
+            </a:pPr>
+            <a:r>
+              <a:rPr lang="en-IN" sz="1200" b="1" dirty="0">
                 <a:latin typeface="Calibri"/>
                 <a:ea typeface="+mn-lt"/>
                 <a:cs typeface="+mn-lt"/>
               </a:rPr>
-              <a:t>Clean and preprocess the collected data to handle missing values, outliers, and inconsistencies.</a:t>
-            </a:r>
-            <a:endParaRPr lang="en-IN" sz="1200" b="1">
+              <a:t>Clean and </a:t>
+            </a:r>
+            <a:r>
+              <a:rPr lang="en-IN" sz="1200" b="1" dirty="0" err="1">
+                <a:latin typeface="Calibri"/>
+                <a:ea typeface="+mn-lt"/>
+                <a:cs typeface="+mn-lt"/>
+              </a:rPr>
+              <a:t>preprocess</a:t>
+            </a:r>
+            <a:r>
+              <a:rPr lang="en-IN" sz="1200" b="1" dirty="0">
+                <a:latin typeface="Calibri"/>
+                <a:ea typeface="+mn-lt"/>
+                <a:cs typeface="+mn-lt"/>
+              </a:rPr>
+              <a:t> the collected data to handle missing values, outliers, and inconsistencies.</a:t>
+            </a:r>
+            <a:endParaRPr lang="en-IN" sz="1200" b="1" dirty="0">
               <a:latin typeface="Calibri"/>
               <a:cs typeface="Calibri"/>
             </a:endParaRPr>
           </a:p>
           <a:p>
-            <a:pPr marL="629920" lvl="1" indent="-305435"/>
-            <a:r>
-              <a:rPr lang="en-IN" sz="1200" b="1">
+            <a:pPr marL="629920" lvl="1" indent="-305435">
+              <a:buFont typeface="Wingdings" panose="05000000000000000000" pitchFamily="2" charset="2"/>
+              <a:buChar char="Ø"/>
+            </a:pPr>
+            <a:r>
+              <a:rPr lang="en-IN" sz="1200" b="1" dirty="0">
                 <a:latin typeface="Calibri"/>
                 <a:ea typeface="+mn-lt"/>
                 <a:cs typeface="+mn-lt"/>
               </a:rPr>
               <a:t>Feature engineering to extract relevant features from the data that might impact bike demand.</a:t>
             </a:r>
-            <a:endParaRPr lang="en-IN" sz="1200" b="1">
+            <a:endParaRPr lang="en-IN" sz="1200" b="1" dirty="0">
               <a:latin typeface="Calibri"/>
               <a:cs typeface="Calibri"/>
             </a:endParaRPr>
@@ -5334,44 +5695,64 @@
           <a:p>
             <a:pPr marL="305435" indent="-305435"/>
             <a:r>
-              <a:rPr lang="en-IN" sz="1200" b="1">
+              <a:rPr lang="en-IN" sz="1200" b="1" dirty="0">
+                <a:effectLst>
+                  <a:outerShdw blurRad="38100" dist="38100" dir="2700000" algn="tl">
+                    <a:srgbClr val="000000">
+                      <a:alpha val="43137"/>
+                    </a:srgbClr>
+                  </a:outerShdw>
+                </a:effectLst>
                 <a:latin typeface="Calibri"/>
                 <a:ea typeface="+mn-lt"/>
                 <a:cs typeface="+mn-lt"/>
               </a:rPr>
               <a:t>Machine Learning Algorithm:</a:t>
             </a:r>
-            <a:endParaRPr lang="en-IN" sz="1200" b="1">
+            <a:endParaRPr lang="en-IN" sz="1200" b="1" dirty="0">
+              <a:effectLst>
+                <a:outerShdw blurRad="38100" dist="38100" dir="2700000" algn="tl">
+                  <a:srgbClr val="000000">
+                    <a:alpha val="43137"/>
+                  </a:srgbClr>
+                </a:outerShdw>
+              </a:effectLst>
               <a:latin typeface="Calibri"/>
               <a:cs typeface="Calibri"/>
             </a:endParaRPr>
           </a:p>
           <a:p>
-            <a:pPr marL="629920" lvl="1" indent="-305435"/>
-            <a:r>
-              <a:rPr lang="en-IN" sz="1200" b="1">
+            <a:pPr marL="629920" lvl="1" indent="-305435">
+              <a:buFont typeface="Wingdings" panose="05000000000000000000" pitchFamily="2" charset="2"/>
+              <a:buChar char="Ø"/>
+            </a:pPr>
+            <a:r>
+              <a:rPr lang="en-IN" sz="1200" b="1" dirty="0">
                 <a:latin typeface="Calibri"/>
                 <a:ea typeface="+mn-lt"/>
                 <a:cs typeface="+mn-lt"/>
               </a:rPr>
               <a:t>Implement a machine learning algorithm, such as a time-series forecasting model (e.g., ARIMA, SARIMA, or LSTM), to predict bike counts based on historical patterns.</a:t>
             </a:r>
-            <a:endParaRPr lang="en-IN" sz="1200" b="1">
+            <a:endParaRPr lang="en-IN" sz="1200" b="1" dirty="0">
               <a:latin typeface="Calibri"/>
               <a:cs typeface="Calibri"/>
             </a:endParaRPr>
           </a:p>
           <a:p>
-            <a:pPr marL="629920" lvl="1" indent="-305435"/>
-            <a:r>
-              <a:rPr lang="en-IN" sz="1200" b="1">
+            <a:pPr marL="629920" lvl="1" indent="-305435">
+              <a:buFont typeface="Wingdings" panose="05000000000000000000" pitchFamily="2" charset="2"/>
+              <a:buChar char="Ø"/>
+            </a:pPr>
+            <a:r>
+              <a:rPr lang="en-IN" sz="1200" b="1" dirty="0">
                 <a:latin typeface="Calibri"/>
                 <a:ea typeface="+mn-lt"/>
                 <a:cs typeface="+mn-lt"/>
               </a:rPr>
               <a:t>Consider incorporating other factors like weather conditions, day of the week, and special events to improve prediction accuracy.</a:t>
             </a:r>
-            <a:endParaRPr lang="en-IN" sz="1200" b="1">
+            <a:endParaRPr lang="en-IN" sz="1200" b="1" dirty="0">
               <a:latin typeface="Calibri"/>
               <a:cs typeface="Calibri"/>
             </a:endParaRPr>
@@ -5379,44 +5760,64 @@
           <a:p>
             <a:pPr marL="305435" indent="-305435"/>
             <a:r>
-              <a:rPr lang="en-IN" sz="1200" b="1">
+              <a:rPr lang="en-IN" sz="1200" b="1" dirty="0">
+                <a:effectLst>
+                  <a:outerShdw blurRad="38100" dist="38100" dir="2700000" algn="tl">
+                    <a:srgbClr val="000000">
+                      <a:alpha val="43137"/>
+                    </a:srgbClr>
+                  </a:outerShdw>
+                </a:effectLst>
                 <a:latin typeface="Calibri"/>
                 <a:ea typeface="+mn-lt"/>
                 <a:cs typeface="+mn-lt"/>
               </a:rPr>
               <a:t>Deployment:</a:t>
             </a:r>
-            <a:endParaRPr lang="en-IN" sz="1200" b="1">
+            <a:endParaRPr lang="en-IN" sz="1200" b="1" dirty="0">
+              <a:effectLst>
+                <a:outerShdw blurRad="38100" dist="38100" dir="2700000" algn="tl">
+                  <a:srgbClr val="000000">
+                    <a:alpha val="43137"/>
+                  </a:srgbClr>
+                </a:outerShdw>
+              </a:effectLst>
               <a:latin typeface="Calibri"/>
               <a:cs typeface="Calibri"/>
             </a:endParaRPr>
           </a:p>
           <a:p>
-            <a:pPr marL="629920" lvl="1" indent="-305435"/>
-            <a:r>
-              <a:rPr lang="en-IN" sz="1200" b="1">
+            <a:pPr marL="629920" lvl="1" indent="-305435">
+              <a:buFont typeface="Wingdings" panose="05000000000000000000" pitchFamily="2" charset="2"/>
+              <a:buChar char="Ø"/>
+            </a:pPr>
+            <a:r>
+              <a:rPr lang="en-IN" sz="1200" b="1" dirty="0">
                 <a:latin typeface="Calibri"/>
                 <a:ea typeface="+mn-lt"/>
                 <a:cs typeface="+mn-lt"/>
               </a:rPr>
               <a:t>Develop a user-friendly interface or application that provides real-time predictions for bike counts at different hours.</a:t>
             </a:r>
-            <a:endParaRPr lang="en-IN" sz="1200" b="1">
+            <a:endParaRPr lang="en-IN" sz="1200" b="1" dirty="0">
               <a:latin typeface="Calibri"/>
               <a:cs typeface="Calibri"/>
             </a:endParaRPr>
           </a:p>
           <a:p>
-            <a:pPr marL="629920" lvl="1" indent="-305435"/>
-            <a:r>
-              <a:rPr lang="en-IN" sz="1200" b="1">
+            <a:pPr marL="629920" lvl="1" indent="-305435">
+              <a:buFont typeface="Wingdings" panose="05000000000000000000" pitchFamily="2" charset="2"/>
+              <a:buChar char="Ø"/>
+            </a:pPr>
+            <a:r>
+              <a:rPr lang="en-IN" sz="1200" b="1" dirty="0">
                 <a:latin typeface="Calibri"/>
                 <a:ea typeface="+mn-lt"/>
                 <a:cs typeface="+mn-lt"/>
               </a:rPr>
               <a:t>Deploy the solution on a scalable and reliable platform, considering factors like server infrastructure, response time, and user accessibility.</a:t>
             </a:r>
-            <a:endParaRPr lang="en-IN" sz="1200" b="1">
+            <a:endParaRPr lang="en-IN" sz="1200" b="1" dirty="0">
               <a:latin typeface="Calibri"/>
               <a:cs typeface="Calibri"/>
             </a:endParaRPr>
@@ -5424,63 +5825,86 @@
           <a:p>
             <a:pPr marL="305435" indent="-305435"/>
             <a:r>
-              <a:rPr lang="en-IN" sz="1200" b="1">
+              <a:rPr lang="en-IN" sz="1200" b="1" dirty="0">
+                <a:effectLst>
+                  <a:outerShdw blurRad="38100" dist="38100" dir="2700000" algn="tl">
+                    <a:srgbClr val="000000">
+                      <a:alpha val="43137"/>
+                    </a:srgbClr>
+                  </a:outerShdw>
+                </a:effectLst>
                 <a:latin typeface="Calibri"/>
                 <a:ea typeface="+mn-lt"/>
                 <a:cs typeface="+mn-lt"/>
               </a:rPr>
               <a:t>Evaluation:</a:t>
             </a:r>
-            <a:endParaRPr lang="en-IN" sz="1200" b="1">
+            <a:endParaRPr lang="en-IN" sz="1200" b="1" dirty="0">
+              <a:effectLst>
+                <a:outerShdw blurRad="38100" dist="38100" dir="2700000" algn="tl">
+                  <a:srgbClr val="000000">
+                    <a:alpha val="43137"/>
+                  </a:srgbClr>
+                </a:outerShdw>
+              </a:effectLst>
               <a:latin typeface="Calibri"/>
               <a:cs typeface="Calibri"/>
             </a:endParaRPr>
           </a:p>
           <a:p>
-            <a:pPr marL="629920" lvl="1" indent="-305435"/>
-            <a:r>
-              <a:rPr lang="en-IN" sz="1200" b="1">
+            <a:pPr marL="629920" lvl="1" indent="-305435">
+              <a:buFont typeface="Wingdings" panose="05000000000000000000" pitchFamily="2" charset="2"/>
+              <a:buChar char="Ø"/>
+            </a:pPr>
+            <a:r>
+              <a:rPr lang="en-IN" sz="1200" b="1" dirty="0">
                 <a:latin typeface="Calibri"/>
                 <a:ea typeface="+mn-lt"/>
                 <a:cs typeface="+mn-lt"/>
               </a:rPr>
               <a:t>Assess the model's performance using appropriate metrics such as Mean Absolute Error (MAE), Root Mean Squared Error (RMSE), or other relevant metrics.</a:t>
             </a:r>
-            <a:endParaRPr lang="en-IN" sz="1200" b="1">
+            <a:endParaRPr lang="en-IN" sz="1200" b="1" dirty="0">
               <a:latin typeface="Calibri"/>
               <a:cs typeface="Calibri"/>
             </a:endParaRPr>
           </a:p>
           <a:p>
-            <a:pPr marL="629920" lvl="1" indent="-305435"/>
-            <a:r>
-              <a:rPr lang="en-IN" sz="1200" b="1">
+            <a:pPr marL="629920" lvl="1" indent="-305435">
+              <a:buFont typeface="Wingdings" panose="05000000000000000000" pitchFamily="2" charset="2"/>
+              <a:buChar char="Ø"/>
+            </a:pPr>
+            <a:r>
+              <a:rPr lang="en-IN" sz="1200" b="1" dirty="0">
                 <a:latin typeface="Calibri"/>
                 <a:ea typeface="+mn-lt"/>
                 <a:cs typeface="+mn-lt"/>
               </a:rPr>
               <a:t>Fine-tune the model based on feedback and continuous monitoring of prediction accuracy.</a:t>
             </a:r>
-            <a:endParaRPr lang="en-IN" sz="1200" b="1">
+            <a:endParaRPr lang="en-IN" sz="1200" b="1" dirty="0">
               <a:latin typeface="Calibri"/>
             </a:endParaRPr>
           </a:p>
           <a:p>
-            <a:pPr marL="629920" lvl="1" indent="-305435"/>
-            <a:r>
-              <a:rPr lang="en-IN" sz="1200">
+            <a:pPr marL="629920" lvl="1" indent="-305435">
+              <a:buFont typeface="Wingdings" panose="05000000000000000000" pitchFamily="2" charset="2"/>
+              <a:buChar char="Ø"/>
+            </a:pPr>
+            <a:r>
+              <a:rPr lang="en-IN" sz="1200" dirty="0">
                 <a:ea typeface="+mn-lt"/>
                 <a:cs typeface="+mn-lt"/>
               </a:rPr>
               <a:t>Result:</a:t>
             </a:r>
-            <a:endParaRPr lang="en-IN" sz="1200"/>
+            <a:endParaRPr lang="en-IN" sz="1200" dirty="0"/>
           </a:p>
           <a:p>
             <a:pPr marL="0" indent="0">
               <a:buNone/>
             </a:pPr>
-            <a:endParaRPr lang="en-IN"/>
+            <a:endParaRPr lang="en-IN" dirty="0"/>
           </a:p>
         </p:txBody>
       </p:sp>
@@ -5532,31 +5956,45 @@
         </p:nvSpPr>
         <p:spPr>
           <a:xfrm>
-            <a:off x="581192" y="662572"/>
-            <a:ext cx="11029616" cy="530296"/>
+            <a:off x="581192" y="655983"/>
+            <a:ext cx="11029616" cy="795129"/>
           </a:xfrm>
         </p:spPr>
         <p:txBody>
           <a:bodyPr>
-            <a:normAutofit fontScale="90000"/>
+            <a:normAutofit/>
           </a:bodyPr>
           <a:lstStyle/>
           <a:p>
             <a:r>
-              <a:rPr lang="en-US" sz="4400" b="1">
+              <a:rPr lang="en-US" sz="4400" b="1" dirty="0">
                 <a:solidFill>
                   <a:schemeClr val="accent1"/>
                 </a:solidFill>
+                <a:effectLst>
+                  <a:outerShdw blurRad="38100" dist="38100" dir="2700000" algn="tl">
+                    <a:srgbClr val="000000">
+                      <a:alpha val="43137"/>
+                    </a:srgbClr>
+                  </a:outerShdw>
+                </a:effectLst>
                 <a:latin typeface="Arial"/>
                 <a:ea typeface="+mj-lt"/>
                 <a:cs typeface="Arial"/>
               </a:rPr>
               <a:t>System  Approach</a:t>
             </a:r>
-            <a:endParaRPr lang="en-US" sz="4400">
+            <a:endParaRPr lang="en-US" sz="4400" dirty="0">
               <a:solidFill>
                 <a:schemeClr val="accent1"/>
               </a:solidFill>
+              <a:effectLst>
+                <a:outerShdw blurRad="38100" dist="38100" dir="2700000" algn="tl">
+                  <a:srgbClr val="000000">
+                    <a:alpha val="43137"/>
+                  </a:srgbClr>
+                </a:outerShdw>
+              </a:effectLst>
               <a:latin typeface="Calibri Light"/>
               <a:cs typeface="Calibri Light"/>
             </a:endParaRPr>
@@ -5584,11 +6022,12 @@
           <a:bodyPr/>
           <a:lstStyle/>
           <a:p>
-            <a:pPr marL="0" indent="0">
-              <a:buNone/>
+            <a:pPr>
+              <a:buFont typeface="Wingdings" panose="05000000000000000000" pitchFamily="2" charset="2"/>
+              <a:buChar char="q"/>
             </a:pPr>
             <a:r>
-              <a:rPr lang="en-IN" sz="1800" b="1">
+              <a:rPr lang="en-IN" sz="1800" b="1" dirty="0">
                 <a:solidFill>
                   <a:srgbClr val="0F0F0F"/>
                 </a:solidFill>
@@ -5597,12 +6036,15 @@
               </a:rPr>
               <a:t>The "System Approach" section outlines the overall strategy and methodology for developing and implementing the rental bike prediction system. Here's a suggested structure for this section:</a:t>
             </a:r>
-            <a:endParaRPr lang="en-US"/>
-          </a:p>
-          <a:p>
-            <a:pPr marL="305435" indent="-305435"/>
-            <a:r>
-              <a:rPr lang="en-IN" sz="1800" b="1">
+            <a:endParaRPr lang="en-US" dirty="0"/>
+          </a:p>
+          <a:p>
+            <a:pPr>
+              <a:buFont typeface="Wingdings" panose="05000000000000000000" pitchFamily="2" charset="2"/>
+              <a:buChar char="q"/>
+            </a:pPr>
+            <a:r>
+              <a:rPr lang="en-IN" sz="1800" b="1" dirty="0">
                 <a:solidFill>
                   <a:srgbClr val="0F0F0F"/>
                 </a:solidFill>
@@ -5611,9 +6053,12 @@
             </a:r>
           </a:p>
           <a:p>
-            <a:pPr marL="305435" indent="-305435"/>
-            <a:r>
-              <a:rPr lang="en-IN" sz="1800" b="1">
+            <a:pPr>
+              <a:buFont typeface="Wingdings" panose="05000000000000000000" pitchFamily="2" charset="2"/>
+              <a:buChar char="q"/>
+            </a:pPr>
+            <a:r>
+              <a:rPr lang="en-IN" sz="1800" b="1" dirty="0">
                 <a:solidFill>
                   <a:srgbClr val="0F0F0F"/>
                 </a:solidFill>
@@ -5677,17 +6122,32 @@
           <a:lstStyle/>
           <a:p>
             <a:r>
-              <a:rPr lang="en-US" sz="4400" b="1">
+              <a:rPr lang="en-US" sz="4400" b="1" dirty="0">
                 <a:solidFill>
                   <a:schemeClr val="accent1"/>
                 </a:solidFill>
+                <a:effectLst>
+                  <a:outerShdw blurRad="38100" dist="38100" dir="2700000" algn="tl">
+                    <a:srgbClr val="000000">
+                      <a:alpha val="43137"/>
+                    </a:srgbClr>
+                  </a:outerShdw>
+                </a:effectLst>
                 <a:latin typeface="Arial"/>
                 <a:ea typeface="+mj-lt"/>
                 <a:cs typeface="Arial"/>
               </a:rPr>
               <a:t>Algorithm &amp; Deployment</a:t>
             </a:r>
-            <a:endParaRPr lang="en-US"/>
+            <a:endParaRPr lang="en-US" dirty="0">
+              <a:effectLst>
+                <a:outerShdw blurRad="38100" dist="38100" dir="2700000" algn="tl">
+                  <a:srgbClr val="000000">
+                    <a:alpha val="43137"/>
+                  </a:srgbClr>
+                </a:outerShdw>
+              </a:effectLst>
+            </a:endParaRPr>
           </a:p>
         </p:txBody>
       </p:sp>
@@ -5712,29 +6172,68 @@
           <a:bodyPr/>
           <a:lstStyle/>
           <a:p>
-            <a:pPr marL="305435" indent="-305435"/>
+            <a:pPr>
+              <a:buFont typeface="Wingdings" panose="05000000000000000000" pitchFamily="2" charset="2"/>
+              <a:buChar char="§"/>
+            </a:pPr>
             <a:r>
               <a:rPr lang="en-IN" sz="1400" dirty="0">
+                <a:effectLst>
+                  <a:outerShdw blurRad="38100" dist="38100" dir="2700000" algn="tl">
+                    <a:srgbClr val="000000">
+                      <a:alpha val="43137"/>
+                    </a:srgbClr>
+                  </a:outerShdw>
+                </a:effectLst>
                 <a:ea typeface="+mn-lt"/>
                 <a:cs typeface="+mn-lt"/>
               </a:rPr>
               <a:t>In the Algorithm section, describe the machine learning algorithm chosen for predicting bike counts. Here's an example structure for this section:</a:t>
             </a:r>
-            <a:endParaRPr lang="en-IN" sz="1400" dirty="0"/>
-          </a:p>
-          <a:p>
-            <a:pPr marL="305435" indent="-305435"/>
-            <a:r>
-              <a:rPr lang="en-IN" sz="1400" b="1" dirty="0">
+            <a:endParaRPr lang="en-IN" sz="1400" dirty="0">
+              <a:effectLst>
+                <a:outerShdw blurRad="38100" dist="38100" dir="2700000" algn="tl">
+                  <a:srgbClr val="000000">
+                    <a:alpha val="43137"/>
+                  </a:srgbClr>
+                </a:outerShdw>
+              </a:effectLst>
+            </a:endParaRPr>
+          </a:p>
+          <a:p>
+            <a:pPr>
+              <a:buFont typeface="Wingdings" panose="05000000000000000000" pitchFamily="2" charset="2"/>
+              <a:buChar char="q"/>
+            </a:pPr>
+            <a:r>
+              <a:rPr lang="en-IN" sz="1600" b="1" dirty="0">
+                <a:effectLst>
+                  <a:outerShdw blurRad="38100" dist="38100" dir="2700000" algn="tl">
+                    <a:srgbClr val="000000">
+                      <a:alpha val="43137"/>
+                    </a:srgbClr>
+                  </a:outerShdw>
+                </a:effectLst>
                 <a:ea typeface="+mn-lt"/>
                 <a:cs typeface="+mn-lt"/>
               </a:rPr>
               <a:t>Algorithm Selection:</a:t>
             </a:r>
-            <a:endParaRPr lang="en-IN" sz="1400" dirty="0"/>
-          </a:p>
-          <a:p>
-            <a:pPr marL="629920" lvl="1" indent="-305435"/>
+            <a:endParaRPr lang="en-IN" sz="1600" dirty="0">
+              <a:effectLst>
+                <a:outerShdw blurRad="38100" dist="38100" dir="2700000" algn="tl">
+                  <a:srgbClr val="000000">
+                    <a:alpha val="43137"/>
+                  </a:srgbClr>
+                </a:outerShdw>
+              </a:effectLst>
+            </a:endParaRPr>
+          </a:p>
+          <a:p>
+            <a:pPr marL="629920" lvl="1" indent="-305435">
+              <a:buFont typeface="Wingdings" panose="05000000000000000000" pitchFamily="2" charset="2"/>
+              <a:buChar char="Ø"/>
+            </a:pPr>
             <a:r>
               <a:rPr lang="en-IN" dirty="0">
                 <a:ea typeface="+mn-lt"/>
@@ -5745,18 +6244,39 @@
             <a:endParaRPr lang="en-IN" dirty="0"/>
           </a:p>
           <a:p>
-            <a:pPr marL="305435" indent="-305435"/>
+            <a:pPr>
+              <a:buFont typeface="Wingdings" panose="05000000000000000000" pitchFamily="2" charset="2"/>
+              <a:buChar char="q"/>
+            </a:pPr>
             <a:r>
               <a:rPr lang="en-IN" sz="1400" b="1" dirty="0">
+                <a:effectLst>
+                  <a:outerShdw blurRad="38100" dist="38100" dir="2700000" algn="tl">
+                    <a:srgbClr val="000000">
+                      <a:alpha val="43137"/>
+                    </a:srgbClr>
+                  </a:outerShdw>
+                </a:effectLst>
                 <a:ea typeface="+mn-lt"/>
                 <a:cs typeface="+mn-lt"/>
               </a:rPr>
               <a:t>Data Input:</a:t>
             </a:r>
-            <a:endParaRPr lang="en-IN" sz="1400" dirty="0"/>
-          </a:p>
-          <a:p>
-            <a:pPr marL="629920" lvl="1" indent="-305435"/>
+            <a:endParaRPr lang="en-IN" sz="1400" dirty="0">
+              <a:effectLst>
+                <a:outerShdw blurRad="38100" dist="38100" dir="2700000" algn="tl">
+                  <a:srgbClr val="000000">
+                    <a:alpha val="43137"/>
+                  </a:srgbClr>
+                </a:outerShdw>
+              </a:effectLst>
+            </a:endParaRPr>
+          </a:p>
+          <a:p>
+            <a:pPr marL="629920" lvl="1" indent="-305435">
+              <a:buFont typeface="Wingdings" panose="05000000000000000000" pitchFamily="2" charset="2"/>
+              <a:buChar char="Ø"/>
+            </a:pPr>
             <a:r>
               <a:rPr lang="en-IN" dirty="0">
                 <a:ea typeface="+mn-lt"/>
@@ -5767,18 +6287,39 @@
             <a:endParaRPr lang="en-IN" dirty="0"/>
           </a:p>
           <a:p>
-            <a:pPr marL="305435" indent="-305435"/>
+            <a:pPr>
+              <a:buFont typeface="Wingdings" panose="05000000000000000000" pitchFamily="2" charset="2"/>
+              <a:buChar char="q"/>
+            </a:pPr>
             <a:r>
               <a:rPr lang="en-IN" sz="1400" b="1" dirty="0">
+                <a:effectLst>
+                  <a:outerShdw blurRad="38100" dist="38100" dir="2700000" algn="tl">
+                    <a:srgbClr val="000000">
+                      <a:alpha val="43137"/>
+                    </a:srgbClr>
+                  </a:outerShdw>
+                </a:effectLst>
                 <a:ea typeface="+mn-lt"/>
                 <a:cs typeface="+mn-lt"/>
               </a:rPr>
               <a:t>Training Process:</a:t>
             </a:r>
-            <a:endParaRPr lang="en-IN" sz="1400" dirty="0"/>
-          </a:p>
-          <a:p>
-            <a:pPr marL="629920" lvl="1" indent="-305435"/>
+            <a:endParaRPr lang="en-IN" sz="1400" dirty="0">
+              <a:effectLst>
+                <a:outerShdw blurRad="38100" dist="38100" dir="2700000" algn="tl">
+                  <a:srgbClr val="000000">
+                    <a:alpha val="43137"/>
+                  </a:srgbClr>
+                </a:outerShdw>
+              </a:effectLst>
+            </a:endParaRPr>
+          </a:p>
+          <a:p>
+            <a:pPr marL="629920" lvl="1" indent="-305435">
+              <a:buFont typeface="Wingdings" panose="05000000000000000000" pitchFamily="2" charset="2"/>
+              <a:buChar char="Ø"/>
+            </a:pPr>
             <a:r>
               <a:rPr lang="en-IN" dirty="0">
                 <a:ea typeface="+mn-lt"/>
@@ -5789,18 +6330,39 @@
             <a:endParaRPr lang="en-IN" dirty="0"/>
           </a:p>
           <a:p>
-            <a:pPr marL="305435" indent="-305435"/>
+            <a:pPr>
+              <a:buFont typeface="Wingdings" panose="05000000000000000000" pitchFamily="2" charset="2"/>
+              <a:buChar char="q"/>
+            </a:pPr>
             <a:r>
               <a:rPr lang="en-IN" sz="1400" b="1" dirty="0">
+                <a:effectLst>
+                  <a:outerShdw blurRad="38100" dist="38100" dir="2700000" algn="tl">
+                    <a:srgbClr val="000000">
+                      <a:alpha val="43137"/>
+                    </a:srgbClr>
+                  </a:outerShdw>
+                </a:effectLst>
                 <a:ea typeface="+mn-lt"/>
                 <a:cs typeface="+mn-lt"/>
               </a:rPr>
               <a:t>Prediction Process:</a:t>
             </a:r>
-            <a:endParaRPr lang="en-IN" sz="1400" dirty="0"/>
-          </a:p>
-          <a:p>
-            <a:pPr marL="629920" lvl="1" indent="-305435"/>
+            <a:endParaRPr lang="en-IN" sz="1400" dirty="0">
+              <a:effectLst>
+                <a:outerShdw blurRad="38100" dist="38100" dir="2700000" algn="tl">
+                  <a:srgbClr val="000000">
+                    <a:alpha val="43137"/>
+                  </a:srgbClr>
+                </a:outerShdw>
+              </a:effectLst>
+            </a:endParaRPr>
+          </a:p>
+          <a:p>
+            <a:pPr marL="629920" lvl="1" indent="-305435">
+              <a:buFont typeface="Wingdings" panose="05000000000000000000" pitchFamily="2" charset="2"/>
+              <a:buChar char="Ø"/>
+            </a:pPr>
             <a:r>
               <a:rPr lang="en-IN" dirty="0">
                 <a:ea typeface="+mn-lt"/>
@@ -5812,7 +6374,7 @@
           </a:p>
           <a:p>
             <a:pPr marL="305435" indent="-305435"/>
-            <a:endParaRPr lang="en-IN"/>
+            <a:endParaRPr lang="en-IN" dirty="0"/>
           </a:p>
         </p:txBody>
       </p:sp>
@@ -5862,7 +6424,12 @@
             <p:ph type="title"/>
           </p:nvPr>
         </p:nvSpPr>
-        <p:spPr/>
+        <p:spPr>
+          <a:xfrm>
+            <a:off x="596327" y="771730"/>
+            <a:ext cx="11029616" cy="530296"/>
+          </a:xfrm>
+        </p:spPr>
         <p:txBody>
           <a:bodyPr>
             <a:normAutofit fontScale="90000"/>
@@ -5870,17 +6437,32 @@
           <a:lstStyle/>
           <a:p>
             <a:r>
-              <a:rPr lang="en-US" sz="4400" b="1">
+              <a:rPr lang="en-US" sz="4400" b="1" dirty="0">
                 <a:solidFill>
                   <a:schemeClr val="accent1"/>
                 </a:solidFill>
+                <a:effectLst>
+                  <a:outerShdw blurRad="38100" dist="38100" dir="2700000" algn="tl">
+                    <a:srgbClr val="000000">
+                      <a:alpha val="43137"/>
+                    </a:srgbClr>
+                  </a:outerShdw>
+                </a:effectLst>
                 <a:latin typeface="Arial"/>
                 <a:ea typeface="+mj-lt"/>
                 <a:cs typeface="Arial"/>
               </a:rPr>
               <a:t>Result</a:t>
             </a:r>
-            <a:endParaRPr lang="en-US"/>
+            <a:endParaRPr lang="en-US" dirty="0">
+              <a:effectLst>
+                <a:outerShdw blurRad="38100" dist="38100" dir="2700000" algn="tl">
+                  <a:srgbClr val="000000">
+                    <a:alpha val="43137"/>
+                  </a:srgbClr>
+                </a:outerShdw>
+              </a:effectLst>
+            </a:endParaRPr>
           </a:p>
         </p:txBody>
       </p:sp>
@@ -5978,17 +6560,32 @@
           <a:lstStyle/>
           <a:p>
             <a:r>
-              <a:rPr lang="en-US" sz="4400" b="1">
+              <a:rPr lang="en-US" sz="4400" b="1" dirty="0">
                 <a:solidFill>
                   <a:schemeClr val="accent1"/>
                 </a:solidFill>
+                <a:effectLst>
+                  <a:outerShdw blurRad="38100" dist="38100" dir="2700000" algn="tl">
+                    <a:srgbClr val="000000">
+                      <a:alpha val="43137"/>
+                    </a:srgbClr>
+                  </a:outerShdw>
+                </a:effectLst>
                 <a:latin typeface="Arial"/>
                 <a:ea typeface="+mj-lt"/>
                 <a:cs typeface="Arial"/>
               </a:rPr>
               <a:t>Conclusion</a:t>
             </a:r>
-            <a:endParaRPr lang="en-US"/>
+            <a:endParaRPr lang="en-US" dirty="0">
+              <a:effectLst>
+                <a:outerShdw blurRad="38100" dist="38100" dir="2700000" algn="tl">
+                  <a:srgbClr val="000000">
+                    <a:alpha val="43137"/>
+                  </a:srgbClr>
+                </a:outerShdw>
+              </a:effectLst>
+            </a:endParaRPr>
           </a:p>
         </p:txBody>
       </p:sp>
@@ -6214,6 +6811,13 @@
                 <a:solidFill>
                   <a:schemeClr val="accent1"/>
                 </a:solidFill>
+                <a:effectLst>
+                  <a:outerShdw blurRad="38100" dist="38100" dir="2700000" algn="tl">
+                    <a:srgbClr val="000000">
+                      <a:alpha val="43137"/>
+                    </a:srgbClr>
+                  </a:outerShdw>
+                </a:effectLst>
                 <a:latin typeface="Arial"/>
                 <a:cs typeface="Arial"/>
               </a:rPr>
@@ -6800,21 +7404,21 @@
 </file>
 
 <file path=customXml/item1.xml><?xml version="1.0" encoding="utf-8"?>
+<?mso-contentType ?>
+<FormTemplates xmlns="http://schemas.microsoft.com/sharepoint/v3/contenttype/forms">
+  <Display>DocumentLibraryForm</Display>
+  <Edit>DocumentLibraryForm</Edit>
+  <New>DocumentLibraryForm</New>
+</FormTemplates>
+</file>
+
+<file path=customXml/item2.xml><?xml version="1.0" encoding="utf-8"?>
 <p:properties xmlns:p="http://schemas.microsoft.com/office/2006/metadata/properties" xmlns:xsi="http://www.w3.org/2001/XMLSchema-instance" xmlns:pc="http://schemas.microsoft.com/office/infopath/2007/PartnerControls">
   <documentManagement>
     <MediaServiceKeyPoints xmlns="9162bd5b-4ed9-4da3-b376-05204580ba3f" xsi:nil="true"/>
     <_activity xmlns="9162bd5b-4ed9-4da3-b376-05204580ba3f" xsi:nil="true"/>
   </documentManagement>
 </p:properties>
-</file>
-
-<file path=customXml/item2.xml><?xml version="1.0" encoding="utf-8"?>
-<?mso-contentType ?>
-<FormTemplates xmlns="http://schemas.microsoft.com/sharepoint/v3/contenttype/forms">
-  <Display>DocumentLibraryForm</Display>
-  <Edit>DocumentLibraryForm</Edit>
-  <New>DocumentLibraryForm</New>
-</FormTemplates>
 </file>
 
 <file path=customXml/item3.xml><?xml version="1.0" encoding="utf-8"?>
@@ -7065,6 +7669,14 @@
 </file>
 
 <file path=customXml/itemProps1.xml><?xml version="1.0" encoding="utf-8"?>
+<ds:datastoreItem xmlns:ds="http://schemas.openxmlformats.org/officeDocument/2006/customXml" ds:itemID="{927BD4C1-B6B1-4715-ABF9-E660A51A4EA0}">
+  <ds:schemaRefs>
+    <ds:schemaRef ds:uri="http://schemas.microsoft.com/sharepoint/v3/contenttype/forms"/>
+  </ds:schemaRefs>
+</ds:datastoreItem>
+</file>
+
+<file path=customXml/itemProps2.xml><?xml version="1.0" encoding="utf-8"?>
 <ds:datastoreItem xmlns:ds="http://schemas.openxmlformats.org/officeDocument/2006/customXml" ds:itemID="{8D289AE2-D2AE-49D1-AFAC-3A79F6794255}">
   <ds:schemaRefs>
     <ds:schemaRef ds:uri="9162bd5b-4ed9-4da3-b376-05204580ba3f"/>
@@ -7077,14 +7689,6 @@
     <ds:schemaRef ds:uri="http://schemas.microsoft.com/office/infopath/2007/PartnerControls"/>
     <ds:schemaRef ds:uri="http://schemas.openxmlformats.org/package/2006/metadata/core-properties"/>
     <ds:schemaRef ds:uri="http://www.w3.org/XML/1998/namespace"/>
-  </ds:schemaRefs>
-</ds:datastoreItem>
-</file>
-
-<file path=customXml/itemProps2.xml><?xml version="1.0" encoding="utf-8"?>
-<ds:datastoreItem xmlns:ds="http://schemas.openxmlformats.org/officeDocument/2006/customXml" ds:itemID="{927BD4C1-B6B1-4715-ABF9-E660A51A4EA0}">
-  <ds:schemaRefs>
-    <ds:schemaRef ds:uri="http://schemas.microsoft.com/sharepoint/v3/contenttype/forms"/>
   </ds:schemaRefs>
 </ds:datastoreItem>
 </file>
